--- a/Document-Templates/SoftUni-AI-PowerPoint-Template-Oct-2024.pptx
+++ b/Document-Templates/SoftUni-AI-PowerPoint-Template-Oct-2024.pptx
@@ -2090,7 +2090,9 @@
             <a:avLst/>
           </a:prstGeom>
           <a:solidFill>
-            <a:srgbClr val="3D0791"/>
+            <a:srgbClr val="0984E4">
+              <a:alpha val="50196"/>
+            </a:srgbClr>
           </a:solidFill>
           <a:ln>
             <a:noFill/>
@@ -2146,283 +2148,6 @@
               <a:latin typeface="Calibri" panose="020F0502020204030204"/>
               <a:ea typeface="맑은 고딕" panose="020B0503020000020004" pitchFamily="34" charset="-127"/>
             </a:endParaRPr>
-          </a:p>
-        </p:txBody>
-      </p:sp>
-      <p:sp>
-        <p:nvSpPr>
-          <p:cNvPr id="33" name="Picture Placeholder Title Image">
-            <a:extLst>
-              <a:ext uri="{FF2B5EF4-FFF2-40B4-BE49-F238E27FC236}">
-                <a16:creationId xmlns:a16="http://schemas.microsoft.com/office/drawing/2014/main" id="{A04D819A-89E2-4714-8C56-1838BF467EF7}"/>
-              </a:ext>
-            </a:extLst>
-          </p:cNvPr>
-          <p:cNvSpPr>
-            <a:spLocks noGrp="1"/>
-          </p:cNvSpPr>
-          <p:nvPr>
-            <p:ph type="pic" sz="quarter" idx="10" hasCustomPrompt="1"/>
-          </p:nvPr>
-        </p:nvSpPr>
-        <p:spPr>
-          <a:xfrm>
-            <a:off x="606795" y="2852936"/>
-            <a:ext cx="4885516" cy="2753631"/>
-          </a:xfrm>
-          <a:solidFill>
-            <a:schemeClr val="bg2">
-              <a:lumMod val="95000"/>
-            </a:schemeClr>
-          </a:solidFill>
-          <a:ln w="3175">
-            <a:solidFill>
-              <a:srgbClr val="5C5C5C"/>
-            </a:solidFill>
-          </a:ln>
-        </p:spPr>
-        <p:txBody>
-          <a:bodyPr anchor="ctr" anchorCtr="0">
-            <a:normAutofit/>
-          </a:bodyPr>
-          <a:lstStyle>
-            <a:lvl1pPr marL="0" indent="0" algn="ctr">
-              <a:buNone/>
-              <a:defRPr sz="3200">
-                <a:solidFill>
-                  <a:schemeClr val="tx1"/>
-                </a:solidFill>
-              </a:defRPr>
-            </a:lvl1pPr>
-          </a:lstStyle>
-          <a:p>
-            <a:r>
-              <a:rPr lang="en-GB" dirty="0"/>
-              <a:t>Insert Picture Here</a:t>
-            </a:r>
-            <a:endParaRPr lang="en-US" dirty="0"/>
-          </a:p>
-        </p:txBody>
-      </p:sp>
-      <p:sp>
-        <p:nvSpPr>
-          <p:cNvPr id="7" name="Text Placeholder 6">
-            <a:extLst>
-              <a:ext uri="{FF2B5EF4-FFF2-40B4-BE49-F238E27FC236}">
-                <a16:creationId xmlns:a16="http://schemas.microsoft.com/office/drawing/2014/main" id="{4CE3EED2-634D-E15A-33D0-6520802CB8A0}"/>
-              </a:ext>
-            </a:extLst>
-          </p:cNvPr>
-          <p:cNvSpPr>
-            <a:spLocks noGrp="1"/>
-          </p:cNvSpPr>
-          <p:nvPr>
-            <p:ph type="body" sz="quarter" idx="20" hasCustomPrompt="1"/>
-          </p:nvPr>
-        </p:nvSpPr>
-        <p:spPr>
-          <a:xfrm>
-            <a:off x="6542240" y="4333486"/>
-            <a:ext cx="5024781" cy="513199"/>
-          </a:xfrm>
-          <a:noFill/>
-          <a:effectLst/>
-        </p:spPr>
-        <p:txBody>
-          <a:bodyPr vert="horz" wrap="square" lIns="36000" tIns="72000" rIns="36000" bIns="72000" rtlCol="0" anchor="t" anchorCtr="0">
-            <a:spAutoFit/>
-          </a:bodyPr>
-          <a:lstStyle>
-            <a:lvl1pPr marL="0" indent="0">
-              <a:lnSpc>
-                <a:spcPct val="105000"/>
-              </a:lnSpc>
-              <a:buNone/>
-              <a:defRPr lang="en-US" sz="2400" dirty="0">
-                <a:solidFill>
-                  <a:srgbClr val="00BA96"/>
-                </a:solidFill>
-                <a:effectLst/>
-                <a:latin typeface="+mn-lt"/>
-                <a:ea typeface="Roboto" panose="02000000000000000000" pitchFamily="2" charset="0"/>
-                <a:cs typeface="+mn-cs"/>
-              </a:defRPr>
-            </a:lvl1pPr>
-          </a:lstStyle>
-          <a:p>
-            <a:pPr marL="361950" lvl="0" indent="-361950" fontAlgn="base" latinLnBrk="0">
-              <a:spcBef>
-                <a:spcPct val="0"/>
-              </a:spcBef>
-              <a:spcAft>
-                <a:spcPct val="0"/>
-              </a:spcAft>
-            </a:pPr>
-            <a:r>
-              <a:rPr lang="en-US" dirty="0"/>
-              <a:t>Position, Company</a:t>
-            </a:r>
-          </a:p>
-        </p:txBody>
-      </p:sp>
-      <p:sp>
-        <p:nvSpPr>
-          <p:cNvPr id="36" name="Text Placeholder Author Name">
-            <a:extLst>
-              <a:ext uri="{FF2B5EF4-FFF2-40B4-BE49-F238E27FC236}">
-                <a16:creationId xmlns:a16="http://schemas.microsoft.com/office/drawing/2014/main" id="{3B21F47B-DE1F-442D-A2B7-6866F8786704}"/>
-              </a:ext>
-            </a:extLst>
-          </p:cNvPr>
-          <p:cNvSpPr>
-            <a:spLocks noGrp="1"/>
-          </p:cNvSpPr>
-          <p:nvPr>
-            <p:ph type="body" sz="quarter" idx="19" hasCustomPrompt="1"/>
-          </p:nvPr>
-        </p:nvSpPr>
-        <p:spPr bwMode="auto">
-          <a:xfrm>
-            <a:off x="6541471" y="3613221"/>
-            <a:ext cx="5025550" cy="699404"/>
-          </a:xfrm>
-          <a:prstGeom prst="rect">
-            <a:avLst/>
-          </a:prstGeom>
-          <a:noFill/>
-          <a:effectLst/>
-        </p:spPr>
-        <p:txBody>
-          <a:bodyPr wrap="square" lIns="36000" tIns="72000" rIns="36000" bIns="72000" rtlCol="0" anchor="ctr" anchorCtr="0">
-            <a:spAutoFit/>
-          </a:bodyPr>
-          <a:lstStyle>
-            <a:lvl1pPr marL="0" indent="0" algn="l" rtl="0" fontAlgn="base">
-              <a:lnSpc>
-                <a:spcPct val="100000"/>
-              </a:lnSpc>
-              <a:spcBef>
-                <a:spcPct val="0"/>
-              </a:spcBef>
-              <a:spcAft>
-                <a:spcPct val="0"/>
-              </a:spcAft>
-              <a:buNone/>
-              <a:defRPr lang="en-US" sz="3600" b="1" kern="1200" dirty="0" smtClean="0">
-                <a:solidFill>
-                  <a:schemeClr val="bg2"/>
-                </a:solidFill>
-                <a:effectLst/>
-                <a:latin typeface="+mn-lt"/>
-                <a:ea typeface="Roboto" panose="02000000000000000000" pitchFamily="2" charset="0"/>
-                <a:cs typeface="+mn-cs"/>
-              </a:defRPr>
-            </a:lvl1pPr>
-          </a:lstStyle>
-          <a:p>
-            <a:pPr lvl="0"/>
-            <a:r>
-              <a:rPr lang="en-US" dirty="0"/>
-              <a:t>Author Name</a:t>
-            </a:r>
-          </a:p>
-        </p:txBody>
-      </p:sp>
-      <p:sp>
-        <p:nvSpPr>
-          <p:cNvPr id="43" name="Presentation Subtitle">
-            <a:extLst>
-              <a:ext uri="{FF2B5EF4-FFF2-40B4-BE49-F238E27FC236}">
-                <a16:creationId xmlns:a16="http://schemas.microsoft.com/office/drawing/2014/main" id="{37BDB812-1395-4B02-ABCF-6A331EEE23E5}"/>
-              </a:ext>
-            </a:extLst>
-          </p:cNvPr>
-          <p:cNvSpPr>
-            <a:spLocks noGrp="1"/>
-          </p:cNvSpPr>
-          <p:nvPr>
-            <p:ph type="subTitle" idx="1" hasCustomPrompt="1"/>
-          </p:nvPr>
-        </p:nvSpPr>
-        <p:spPr>
-          <a:xfrm>
-            <a:off x="606795" y="1628800"/>
-            <a:ext cx="10960226" cy="777531"/>
-          </a:xfrm>
-        </p:spPr>
-        <p:txBody>
-          <a:bodyPr anchor="ctr" anchorCtr="0">
-            <a:noAutofit/>
-          </a:bodyPr>
-          <a:lstStyle>
-            <a:lvl1pPr marL="0" indent="0" algn="ctr">
-              <a:buNone/>
-              <a:defRPr sz="3600" b="0" i="0">
-                <a:solidFill>
-                  <a:srgbClr val="00BA96"/>
-                </a:solidFill>
-                <a:latin typeface="Montserrat Medium" panose="00000600000000000000" pitchFamily="50" charset="-52"/>
-                <a:ea typeface="Montserrat Medium" panose="00000600000000000000" pitchFamily="50" charset="-52"/>
-                <a:cs typeface="Montserrat Medium" panose="00000600000000000000" pitchFamily="50" charset="-52"/>
-              </a:defRPr>
-            </a:lvl1pPr>
-          </a:lstStyle>
-          <a:p>
-            <a:r>
-              <a:rPr lang="en-GB" dirty="0"/>
-              <a:t>Presentation Subtitle</a:t>
-            </a:r>
-            <a:endParaRPr lang="bg-BG" dirty="0"/>
-          </a:p>
-        </p:txBody>
-      </p:sp>
-      <p:sp>
-        <p:nvSpPr>
-          <p:cNvPr id="2" name="Presentation Title">
-            <a:extLst>
-              <a:ext uri="{FF2B5EF4-FFF2-40B4-BE49-F238E27FC236}">
-                <a16:creationId xmlns:a16="http://schemas.microsoft.com/office/drawing/2014/main" id="{A4DF3AB8-E6E3-4FCE-8A4A-ECD147720A5D}"/>
-              </a:ext>
-            </a:extLst>
-          </p:cNvPr>
-          <p:cNvSpPr>
-            <a:spLocks noGrp="1"/>
-          </p:cNvSpPr>
-          <p:nvPr>
-            <p:ph type="title" hasCustomPrompt="1"/>
-          </p:nvPr>
-        </p:nvSpPr>
-        <p:spPr>
-          <a:xfrm>
-            <a:off x="606795" y="548680"/>
-            <a:ext cx="10960226" cy="957038"/>
-          </a:xfrm>
-          <a:prstGeom prst="rect">
-            <a:avLst/>
-          </a:prstGeom>
-          <a:ln>
-            <a:noFill/>
-          </a:ln>
-        </p:spPr>
-        <p:txBody>
-          <a:bodyPr wrap="square" lIns="0" tIns="274320" rIns="0" bIns="274320" anchor="ctr" anchorCtr="1">
-            <a:noAutofit/>
-          </a:bodyPr>
-          <a:lstStyle>
-            <a:lvl1pPr algn="ctr">
-              <a:defRPr sz="5400" b="1" i="0">
-                <a:solidFill>
-                  <a:schemeClr val="bg2"/>
-                </a:solidFill>
-                <a:latin typeface="+mj-lt"/>
-              </a:defRPr>
-            </a:lvl1pPr>
-          </a:lstStyle>
-          <a:p>
-            <a:r>
-              <a:rPr lang="en-US" dirty="0"/>
-              <a:t>Presentation Title</a:t>
-            </a:r>
           </a:p>
         </p:txBody>
       </p:sp>
@@ -2639,7 +2364,7 @@
       </p:sp>
       <p:pic>
         <p:nvPicPr>
-          <p:cNvPr id="11" name="Picture 10" descr="SoftUni AI - logo (horizontal)">
+          <p:cNvPr id="11" name="SoftUni AI - Logo" descr="SoftUni AI - logo (horizontal)">
             <a:extLst>
               <a:ext uri="{FF2B5EF4-FFF2-40B4-BE49-F238E27FC236}">
                 <a16:creationId xmlns:a16="http://schemas.microsoft.com/office/drawing/2014/main" id="{78E65E94-49B4-BCA6-FCAA-16E3F57BF0EC}"/>
@@ -2671,6 +2396,286 @@
           </a:prstGeom>
         </p:spPr>
       </p:pic>
+      <p:sp>
+        <p:nvSpPr>
+          <p:cNvPr id="33" name="Picture Placeholder Title Image">
+            <a:extLst>
+              <a:ext uri="{FF2B5EF4-FFF2-40B4-BE49-F238E27FC236}">
+                <a16:creationId xmlns:a16="http://schemas.microsoft.com/office/drawing/2014/main" id="{A04D819A-89E2-4714-8C56-1838BF467EF7}"/>
+              </a:ext>
+            </a:extLst>
+          </p:cNvPr>
+          <p:cNvSpPr>
+            <a:spLocks noGrp="1"/>
+          </p:cNvSpPr>
+          <p:nvPr>
+            <p:ph type="pic" sz="quarter" idx="10" hasCustomPrompt="1"/>
+          </p:nvPr>
+        </p:nvSpPr>
+        <p:spPr>
+          <a:xfrm>
+            <a:off x="606795" y="2852936"/>
+            <a:ext cx="4885516" cy="2753631"/>
+          </a:xfrm>
+          <a:solidFill>
+            <a:schemeClr val="bg2">
+              <a:lumMod val="95000"/>
+            </a:schemeClr>
+          </a:solidFill>
+          <a:ln w="6350">
+            <a:solidFill>
+              <a:schemeClr val="tx1">
+                <a:lumMod val="40000"/>
+                <a:lumOff val="60000"/>
+              </a:schemeClr>
+            </a:solidFill>
+          </a:ln>
+        </p:spPr>
+        <p:txBody>
+          <a:bodyPr anchor="ctr" anchorCtr="0">
+            <a:normAutofit/>
+          </a:bodyPr>
+          <a:lstStyle>
+            <a:lvl1pPr marL="0" indent="0" algn="ctr">
+              <a:buNone/>
+              <a:defRPr sz="3200">
+                <a:solidFill>
+                  <a:schemeClr val="tx1"/>
+                </a:solidFill>
+              </a:defRPr>
+            </a:lvl1pPr>
+          </a:lstStyle>
+          <a:p>
+            <a:r>
+              <a:rPr lang="en-GB" dirty="0"/>
+              <a:t>Insert Picture Here</a:t>
+            </a:r>
+            <a:endParaRPr lang="en-US" dirty="0"/>
+          </a:p>
+        </p:txBody>
+      </p:sp>
+      <p:sp>
+        <p:nvSpPr>
+          <p:cNvPr id="7" name="Text Placeholder Position">
+            <a:extLst>
+              <a:ext uri="{FF2B5EF4-FFF2-40B4-BE49-F238E27FC236}">
+                <a16:creationId xmlns:a16="http://schemas.microsoft.com/office/drawing/2014/main" id="{4CE3EED2-634D-E15A-33D0-6520802CB8A0}"/>
+              </a:ext>
+            </a:extLst>
+          </p:cNvPr>
+          <p:cNvSpPr>
+            <a:spLocks noGrp="1"/>
+          </p:cNvSpPr>
+          <p:nvPr>
+            <p:ph type="body" sz="quarter" idx="20" hasCustomPrompt="1"/>
+          </p:nvPr>
+        </p:nvSpPr>
+        <p:spPr>
+          <a:xfrm>
+            <a:off x="6542240" y="4333486"/>
+            <a:ext cx="5024781" cy="513199"/>
+          </a:xfrm>
+          <a:noFill/>
+          <a:effectLst/>
+        </p:spPr>
+        <p:txBody>
+          <a:bodyPr vert="horz" wrap="square" lIns="36000" tIns="72000" rIns="36000" bIns="72000" rtlCol="0" anchor="t" anchorCtr="0">
+            <a:spAutoFit/>
+          </a:bodyPr>
+          <a:lstStyle>
+            <a:lvl1pPr marL="0" indent="0">
+              <a:lnSpc>
+                <a:spcPct val="105000"/>
+              </a:lnSpc>
+              <a:buNone/>
+              <a:defRPr lang="en-US" sz="2400" dirty="0">
+                <a:solidFill>
+                  <a:srgbClr val="00BA96"/>
+                </a:solidFill>
+                <a:effectLst/>
+                <a:latin typeface="+mn-lt"/>
+                <a:ea typeface="Roboto" panose="02000000000000000000" pitchFamily="2" charset="0"/>
+                <a:cs typeface="+mn-cs"/>
+              </a:defRPr>
+            </a:lvl1pPr>
+          </a:lstStyle>
+          <a:p>
+            <a:pPr marL="361950" lvl="0" indent="-361950" fontAlgn="base" latinLnBrk="0">
+              <a:spcBef>
+                <a:spcPct val="0"/>
+              </a:spcBef>
+              <a:spcAft>
+                <a:spcPct val="0"/>
+              </a:spcAft>
+            </a:pPr>
+            <a:r>
+              <a:rPr lang="en-US" dirty="0"/>
+              <a:t>Position, Company</a:t>
+            </a:r>
+          </a:p>
+        </p:txBody>
+      </p:sp>
+      <p:sp>
+        <p:nvSpPr>
+          <p:cNvPr id="36" name="Text Placeholder Author Name">
+            <a:extLst>
+              <a:ext uri="{FF2B5EF4-FFF2-40B4-BE49-F238E27FC236}">
+                <a16:creationId xmlns:a16="http://schemas.microsoft.com/office/drawing/2014/main" id="{3B21F47B-DE1F-442D-A2B7-6866F8786704}"/>
+              </a:ext>
+            </a:extLst>
+          </p:cNvPr>
+          <p:cNvSpPr>
+            <a:spLocks noGrp="1"/>
+          </p:cNvSpPr>
+          <p:nvPr>
+            <p:ph type="body" sz="quarter" idx="19" hasCustomPrompt="1"/>
+          </p:nvPr>
+        </p:nvSpPr>
+        <p:spPr bwMode="auto">
+          <a:xfrm>
+            <a:off x="6541471" y="3613221"/>
+            <a:ext cx="5025550" cy="699404"/>
+          </a:xfrm>
+          <a:prstGeom prst="rect">
+            <a:avLst/>
+          </a:prstGeom>
+          <a:noFill/>
+          <a:effectLst/>
+        </p:spPr>
+        <p:txBody>
+          <a:bodyPr wrap="square" lIns="36000" tIns="72000" rIns="36000" bIns="72000" rtlCol="0" anchor="ctr" anchorCtr="0">
+            <a:spAutoFit/>
+          </a:bodyPr>
+          <a:lstStyle>
+            <a:lvl1pPr marL="0" indent="0" algn="l" rtl="0" fontAlgn="base">
+              <a:lnSpc>
+                <a:spcPct val="100000"/>
+              </a:lnSpc>
+              <a:spcBef>
+                <a:spcPct val="0"/>
+              </a:spcBef>
+              <a:spcAft>
+                <a:spcPct val="0"/>
+              </a:spcAft>
+              <a:buNone/>
+              <a:defRPr lang="en-US" sz="3600" b="1" kern="1200" dirty="0" smtClean="0">
+                <a:solidFill>
+                  <a:schemeClr val="bg2"/>
+                </a:solidFill>
+                <a:effectLst/>
+                <a:latin typeface="+mn-lt"/>
+                <a:ea typeface="Roboto" panose="02000000000000000000" pitchFamily="2" charset="0"/>
+                <a:cs typeface="+mn-cs"/>
+              </a:defRPr>
+            </a:lvl1pPr>
+          </a:lstStyle>
+          <a:p>
+            <a:pPr lvl="0"/>
+            <a:r>
+              <a:rPr lang="en-US" dirty="0"/>
+              <a:t>Author Name</a:t>
+            </a:r>
+          </a:p>
+        </p:txBody>
+      </p:sp>
+      <p:sp>
+        <p:nvSpPr>
+          <p:cNvPr id="43" name="Presentation Subtitle">
+            <a:extLst>
+              <a:ext uri="{FF2B5EF4-FFF2-40B4-BE49-F238E27FC236}">
+                <a16:creationId xmlns:a16="http://schemas.microsoft.com/office/drawing/2014/main" id="{37BDB812-1395-4B02-ABCF-6A331EEE23E5}"/>
+              </a:ext>
+            </a:extLst>
+          </p:cNvPr>
+          <p:cNvSpPr>
+            <a:spLocks noGrp="1"/>
+          </p:cNvSpPr>
+          <p:nvPr>
+            <p:ph type="subTitle" idx="1" hasCustomPrompt="1"/>
+          </p:nvPr>
+        </p:nvSpPr>
+        <p:spPr>
+          <a:xfrm>
+            <a:off x="606795" y="1628800"/>
+            <a:ext cx="10960226" cy="777531"/>
+          </a:xfrm>
+        </p:spPr>
+        <p:txBody>
+          <a:bodyPr anchor="ctr" anchorCtr="0">
+            <a:noAutofit/>
+          </a:bodyPr>
+          <a:lstStyle>
+            <a:lvl1pPr marL="0" indent="0" algn="ctr">
+              <a:buNone/>
+              <a:defRPr sz="3600" b="0" i="0">
+                <a:solidFill>
+                  <a:srgbClr val="00BA96"/>
+                </a:solidFill>
+                <a:latin typeface="Montserrat Medium" panose="00000600000000000000" pitchFamily="50" charset="-52"/>
+                <a:ea typeface="Montserrat Medium" panose="00000600000000000000" pitchFamily="50" charset="-52"/>
+                <a:cs typeface="Montserrat Medium" panose="00000600000000000000" pitchFamily="50" charset="-52"/>
+              </a:defRPr>
+            </a:lvl1pPr>
+          </a:lstStyle>
+          <a:p>
+            <a:r>
+              <a:rPr lang="en-GB" dirty="0"/>
+              <a:t>Presentation Subtitle</a:t>
+            </a:r>
+            <a:endParaRPr lang="bg-BG" dirty="0"/>
+          </a:p>
+        </p:txBody>
+      </p:sp>
+      <p:sp>
+        <p:nvSpPr>
+          <p:cNvPr id="2" name="Presentation Title">
+            <a:extLst>
+              <a:ext uri="{FF2B5EF4-FFF2-40B4-BE49-F238E27FC236}">
+                <a16:creationId xmlns:a16="http://schemas.microsoft.com/office/drawing/2014/main" id="{A4DF3AB8-E6E3-4FCE-8A4A-ECD147720A5D}"/>
+              </a:ext>
+            </a:extLst>
+          </p:cNvPr>
+          <p:cNvSpPr>
+            <a:spLocks noGrp="1"/>
+          </p:cNvSpPr>
+          <p:nvPr>
+            <p:ph type="title" hasCustomPrompt="1"/>
+          </p:nvPr>
+        </p:nvSpPr>
+        <p:spPr>
+          <a:xfrm>
+            <a:off x="606795" y="548680"/>
+            <a:ext cx="10960226" cy="957038"/>
+          </a:xfrm>
+          <a:prstGeom prst="rect">
+            <a:avLst/>
+          </a:prstGeom>
+          <a:ln>
+            <a:noFill/>
+          </a:ln>
+        </p:spPr>
+        <p:txBody>
+          <a:bodyPr wrap="square" lIns="0" tIns="274320" rIns="0" bIns="274320" anchor="ctr" anchorCtr="1">
+            <a:noAutofit/>
+          </a:bodyPr>
+          <a:lstStyle>
+            <a:lvl1pPr algn="ctr">
+              <a:defRPr sz="5400" b="1" i="0">
+                <a:solidFill>
+                  <a:schemeClr val="bg2"/>
+                </a:solidFill>
+                <a:latin typeface="+mj-lt"/>
+              </a:defRPr>
+            </a:lvl1pPr>
+          </a:lstStyle>
+          <a:p>
+            <a:r>
+              <a:rPr lang="en-US" dirty="0"/>
+              <a:t>Presentation Title</a:t>
+            </a:r>
+          </a:p>
+        </p:txBody>
+      </p:sp>
     </p:spTree>
     <p:extLst>
       <p:ext uri="{BB962C8B-B14F-4D97-AF65-F5344CB8AC3E}">
@@ -2710,6 +2715,475 @@
 </file>
 
 <file path=ppt/slideLayouts/slideLayout10.xml><?xml version="1.0" encoding="utf-8"?>
+<p:sldLayout xmlns:a="http://schemas.openxmlformats.org/drawingml/2006/main" xmlns:r="http://schemas.openxmlformats.org/officeDocument/2006/relationships" xmlns:p="http://schemas.openxmlformats.org/presentationml/2006/main" preserve="1" userDrawn="1">
+  <p:cSld name="Source Code Example">
+    <p:spTree>
+      <p:nvGrpSpPr>
+        <p:cNvPr id="1" name=""/>
+        <p:cNvGrpSpPr/>
+        <p:nvPr/>
+      </p:nvGrpSpPr>
+      <p:grpSpPr>
+        <a:xfrm>
+          <a:off x="0" y="0"/>
+          <a:ext cx="0" cy="0"/>
+          <a:chOff x="0" y="0"/>
+          <a:chExt cx="0" cy="0"/>
+        </a:xfrm>
+      </p:grpSpPr>
+      <p:sp>
+        <p:nvSpPr>
+          <p:cNvPr id="4" name="Round Single Corner of Rectangle 4">
+            <a:extLst>
+              <a:ext uri="{FF2B5EF4-FFF2-40B4-BE49-F238E27FC236}">
+                <a16:creationId xmlns:a16="http://schemas.microsoft.com/office/drawing/2014/main" id="{EDBED750-FB43-855D-3C59-452045ED2C8C}"/>
+              </a:ext>
+            </a:extLst>
+          </p:cNvPr>
+          <p:cNvSpPr/>
+          <p:nvPr userDrawn="1"/>
+        </p:nvSpPr>
+        <p:spPr bwMode="auto">
+          <a:xfrm flipV="1">
+            <a:off x="0" y="0"/>
+            <a:ext cx="12188825" cy="1052736"/>
+          </a:xfrm>
+          <a:prstGeom prst="round1Rect">
+            <a:avLst>
+              <a:gd name="adj" fmla="val 50000"/>
+            </a:avLst>
+          </a:prstGeom>
+          <a:gradFill>
+            <a:gsLst>
+              <a:gs pos="0">
+                <a:srgbClr val="00BA96">
+                  <a:alpha val="30000"/>
+                </a:srgbClr>
+              </a:gs>
+              <a:gs pos="100000">
+                <a:srgbClr val="18151C"/>
+              </a:gs>
+            </a:gsLst>
+            <a:lin ang="8400000" scaled="0"/>
+          </a:gradFill>
+          <a:ln>
+            <a:noFill/>
+          </a:ln>
+        </p:spPr>
+        <p:style>
+          <a:lnRef idx="2">
+            <a:schemeClr val="accent6"/>
+          </a:lnRef>
+          <a:fillRef idx="1">
+            <a:schemeClr val="lt1"/>
+          </a:fillRef>
+          <a:effectRef idx="0">
+            <a:schemeClr val="accent6"/>
+          </a:effectRef>
+          <a:fontRef idx="minor">
+            <a:schemeClr val="dk1"/>
+          </a:fontRef>
+        </p:style>
+        <p:txBody>
+          <a:bodyPr rot="0" spcFirstLastPara="0" vertOverflow="overflow" horzOverflow="overflow" vert="horz" wrap="square" lIns="91440" tIns="45720" rIns="91440" bIns="45720" numCol="1" spcCol="0" rtlCol="0" fromWordArt="0" anchor="ctr" anchorCtr="0" forceAA="0" compatLnSpc="1">
+            <a:prstTxWarp prst="textNoShape">
+              <a:avLst/>
+            </a:prstTxWarp>
+            <a:noAutofit/>
+          </a:bodyPr>
+          <a:lstStyle/>
+          <a:p>
+            <a:pPr algn="ctr"/>
+            <a:endParaRPr lang="en-BG" sz="2800" b="0" dirty="0">
+              <a:solidFill>
+                <a:srgbClr val="FFFFFF"/>
+              </a:solidFill>
+              <a:effectLst>
+                <a:outerShdw blurRad="38100" dist="38100" dir="2700000" algn="tl">
+                  <a:srgbClr val="000000">
+                    <a:alpha val="43137"/>
+                  </a:srgbClr>
+                </a:outerShdw>
+              </a:effectLst>
+            </a:endParaRPr>
+          </a:p>
+        </p:txBody>
+      </p:sp>
+      <p:sp>
+        <p:nvSpPr>
+          <p:cNvPr id="14" name="Slide Number">
+            <a:extLst>
+              <a:ext uri="{FF2B5EF4-FFF2-40B4-BE49-F238E27FC236}">
+                <a16:creationId xmlns:a16="http://schemas.microsoft.com/office/drawing/2014/main" id="{53483657-164E-4EE9-9349-4B9023216253}"/>
+              </a:ext>
+            </a:extLst>
+          </p:cNvPr>
+          <p:cNvSpPr>
+            <a:spLocks noGrp="1"/>
+          </p:cNvSpPr>
+          <p:nvPr>
+            <p:ph type="sldNum" sz="quarter" idx="5"/>
+          </p:nvPr>
+        </p:nvSpPr>
+        <p:spPr>
+          <a:xfrm>
+            <a:off x="11753030" y="6507000"/>
+            <a:ext cx="367414" cy="297000"/>
+          </a:xfrm>
+          <a:prstGeom prst="rect">
+            <a:avLst/>
+          </a:prstGeom>
+        </p:spPr>
+        <p:txBody>
+          <a:bodyPr vert="horz" lIns="91440" tIns="45720" rIns="91440" bIns="45720" rtlCol="0" anchor="b"/>
+          <a:lstStyle>
+            <a:lvl1pPr algn="r">
+              <a:defRPr sz="1000">
+                <a:solidFill>
+                  <a:schemeClr val="bg1">
+                    <a:lumMod val="75000"/>
+                  </a:schemeClr>
+                </a:solidFill>
+              </a:defRPr>
+            </a:lvl1pPr>
+          </a:lstStyle>
+          <a:p>
+            <a:fld id="{2BF067CD-8E6B-4360-9AA8-C5DF2A48A6D1}" type="slidenum">
+              <a:rPr lang="en-US" smtClean="0"/>
+              <a:pPr/>
+              <a:t>‹#›</a:t>
+            </a:fld>
+            <a:endParaRPr lang="en-US" dirty="0"/>
+          </a:p>
+        </p:txBody>
+      </p:sp>
+      <p:sp>
+        <p:nvSpPr>
+          <p:cNvPr id="3" name="Slide Body Text">
+            <a:extLst>
+              <a:ext uri="{FF2B5EF4-FFF2-40B4-BE49-F238E27FC236}">
+                <a16:creationId xmlns:a16="http://schemas.microsoft.com/office/drawing/2014/main" id="{5A9D2960-6D42-439F-82E8-812822013A10}"/>
+              </a:ext>
+            </a:extLst>
+          </p:cNvPr>
+          <p:cNvSpPr>
+            <a:spLocks noGrp="1"/>
+          </p:cNvSpPr>
+          <p:nvPr>
+            <p:ph type="body" sz="quarter" idx="10" hasCustomPrompt="1"/>
+          </p:nvPr>
+        </p:nvSpPr>
+        <p:spPr>
+          <a:xfrm>
+            <a:off x="190353" y="1196124"/>
+            <a:ext cx="11808715" cy="5561125"/>
+          </a:xfrm>
+        </p:spPr>
+        <p:txBody>
+          <a:bodyPr>
+            <a:normAutofit/>
+          </a:bodyPr>
+          <a:lstStyle>
+            <a:lvl1pPr>
+              <a:lnSpc>
+                <a:spcPct val="105000"/>
+              </a:lnSpc>
+              <a:spcAft>
+                <a:spcPts val="600"/>
+              </a:spcAft>
+              <a:defRPr sz="3400" b="0" baseline="0">
+                <a:latin typeface="+mn-lt"/>
+                <a:ea typeface="Roboto" panose="02000000000000000000" pitchFamily="2" charset="0"/>
+                <a:cs typeface="Roboto" panose="02000000000000000000" pitchFamily="2" charset="0"/>
+              </a:defRPr>
+            </a:lvl1pPr>
+            <a:lvl2pPr>
+              <a:lnSpc>
+                <a:spcPct val="105000"/>
+              </a:lnSpc>
+              <a:spcAft>
+                <a:spcPts val="600"/>
+              </a:spcAft>
+              <a:defRPr sz="3200">
+                <a:latin typeface="+mn-lt"/>
+                <a:ea typeface="Roboto" panose="02000000000000000000" pitchFamily="2" charset="0"/>
+                <a:cs typeface="Roboto" panose="02000000000000000000" pitchFamily="2" charset="0"/>
+              </a:defRPr>
+            </a:lvl2pPr>
+            <a:lvl3pPr>
+              <a:lnSpc>
+                <a:spcPct val="105000"/>
+              </a:lnSpc>
+              <a:spcAft>
+                <a:spcPts val="600"/>
+              </a:spcAft>
+              <a:defRPr sz="3000" b="0" i="0">
+                <a:latin typeface="+mn-lt"/>
+                <a:ea typeface="Roboto" panose="02000000000000000000" pitchFamily="2" charset="0"/>
+                <a:cs typeface="Roboto" panose="02000000000000000000" pitchFamily="2" charset="0"/>
+              </a:defRPr>
+            </a:lvl3pPr>
+            <a:lvl4pPr>
+              <a:lnSpc>
+                <a:spcPct val="105000"/>
+              </a:lnSpc>
+              <a:spcAft>
+                <a:spcPts val="600"/>
+              </a:spcAft>
+              <a:defRPr sz="2800">
+                <a:latin typeface="+mn-lt"/>
+                <a:ea typeface="Roboto" panose="02000000000000000000" pitchFamily="2" charset="0"/>
+                <a:cs typeface="Roboto" panose="02000000000000000000" pitchFamily="2" charset="0"/>
+              </a:defRPr>
+            </a:lvl4pPr>
+            <a:lvl5pPr>
+              <a:lnSpc>
+                <a:spcPct val="105000"/>
+              </a:lnSpc>
+              <a:spcAft>
+                <a:spcPts val="600"/>
+              </a:spcAft>
+              <a:defRPr sz="2600">
+                <a:latin typeface="+mn-lt"/>
+                <a:ea typeface="Roboto" panose="02000000000000000000" pitchFamily="2" charset="0"/>
+                <a:cs typeface="Roboto" panose="02000000000000000000" pitchFamily="2" charset="0"/>
+              </a:defRPr>
+            </a:lvl5pPr>
+          </a:lstStyle>
+          <a:p>
+            <a:pPr lvl="0"/>
+            <a:r>
+              <a:rPr lang="en-US" dirty="0"/>
+              <a:t>First Level</a:t>
+            </a:r>
+          </a:p>
+        </p:txBody>
+      </p:sp>
+      <p:sp>
+        <p:nvSpPr>
+          <p:cNvPr id="6" name="Slide Title">
+            <a:extLst>
+              <a:ext uri="{FF2B5EF4-FFF2-40B4-BE49-F238E27FC236}">
+                <a16:creationId xmlns:a16="http://schemas.microsoft.com/office/drawing/2014/main" id="{19B5B676-7892-440F-8191-7109B2C59885}"/>
+              </a:ext>
+            </a:extLst>
+          </p:cNvPr>
+          <p:cNvSpPr>
+            <a:spLocks noGrp="1"/>
+          </p:cNvSpPr>
+          <p:nvPr>
+            <p:ph type="title" hasCustomPrompt="1"/>
+          </p:nvPr>
+        </p:nvSpPr>
+        <p:spPr>
+          <a:xfrm>
+            <a:off x="190354" y="100750"/>
+            <a:ext cx="10800601" cy="882654"/>
+          </a:xfrm>
+          <a:prstGeom prst="rect">
+            <a:avLst/>
+          </a:prstGeom>
+        </p:spPr>
+        <p:txBody>
+          <a:bodyPr>
+            <a:normAutofit/>
+          </a:bodyPr>
+          <a:lstStyle>
+            <a:lvl1pPr>
+              <a:defRPr lang="en-US" sz="4400" b="1" i="0" kern="1200" dirty="0">
+                <a:solidFill>
+                  <a:schemeClr val="bg2"/>
+                </a:solidFill>
+                <a:latin typeface="+mj-lt"/>
+                <a:ea typeface="Roboto" panose="02000000000000000000" pitchFamily="2" charset="0"/>
+                <a:cs typeface="Montserrat Bold"/>
+              </a:defRPr>
+            </a:lvl1pPr>
+          </a:lstStyle>
+          <a:p>
+            <a:r>
+              <a:rPr lang="en-US" dirty="0"/>
+              <a:t>Slide Title</a:t>
+            </a:r>
+          </a:p>
+        </p:txBody>
+      </p:sp>
+      <p:pic>
+        <p:nvPicPr>
+          <p:cNvPr id="2" name="Picture 1" descr="SoftUni AI logo">
+            <a:extLst>
+              <a:ext uri="{FF2B5EF4-FFF2-40B4-BE49-F238E27FC236}">
+                <a16:creationId xmlns:a16="http://schemas.microsoft.com/office/drawing/2014/main" id="{DF879E57-BABD-22A8-5DD2-EC221C1C6A2A}"/>
+              </a:ext>
+            </a:extLst>
+          </p:cNvPr>
+          <p:cNvPicPr>
+            <a:picLocks noChangeAspect="1"/>
+          </p:cNvPicPr>
+          <p:nvPr userDrawn="1"/>
+        </p:nvPicPr>
+        <p:blipFill>
+          <a:blip r:embed="rId2" cstate="screen">
+            <a:alphaModFix amt="85000"/>
+            <a:extLst>
+              <a:ext uri="{28A0092B-C50C-407E-A947-70E740481C1C}">
+                <a14:useLocalDpi xmlns:a14="http://schemas.microsoft.com/office/drawing/2010/main" val="0"/>
+              </a:ext>
+            </a:extLst>
+          </a:blip>
+          <a:stretch>
+            <a:fillRect/>
+          </a:stretch>
+        </p:blipFill>
+        <p:spPr>
+          <a:xfrm>
+            <a:off x="11169683" y="164257"/>
+            <a:ext cx="757377" cy="710987"/>
+          </a:xfrm>
+          <a:prstGeom prst="rect">
+            <a:avLst/>
+          </a:prstGeom>
+        </p:spPr>
+      </p:pic>
+      <p:sp>
+        <p:nvSpPr>
+          <p:cNvPr id="10" name="Text Placeholder 9">
+            <a:extLst>
+              <a:ext uri="{FF2B5EF4-FFF2-40B4-BE49-F238E27FC236}">
+                <a16:creationId xmlns:a16="http://schemas.microsoft.com/office/drawing/2014/main" id="{11119141-71EC-67BB-61C0-7E527610665E}"/>
+              </a:ext>
+            </a:extLst>
+          </p:cNvPr>
+          <p:cNvSpPr>
+            <a:spLocks noGrp="1"/>
+          </p:cNvSpPr>
+          <p:nvPr>
+            <p:ph type="body" sz="quarter" idx="12" hasCustomPrompt="1"/>
+          </p:nvPr>
+        </p:nvSpPr>
+        <p:spPr>
+          <a:xfrm>
+            <a:off x="615266" y="1916832"/>
+            <a:ext cx="10951753" cy="1510771"/>
+          </a:xfrm>
+          <a:solidFill>
+            <a:schemeClr val="accent6">
+              <a:lumMod val="75000"/>
+              <a:alpha val="15000"/>
+            </a:schemeClr>
+          </a:solidFill>
+          <a:ln w="12700">
+            <a:solidFill>
+              <a:schemeClr val="bg1">
+                <a:lumMod val="50000"/>
+              </a:schemeClr>
+            </a:solidFill>
+          </a:ln>
+        </p:spPr>
+        <p:txBody>
+          <a:bodyPr vert="horz" wrap="square" lIns="144000" tIns="108000" rIns="144000" bIns="108000" rtlCol="0">
+            <a:spAutoFit/>
+          </a:bodyPr>
+          <a:lstStyle>
+            <a:lvl1pPr marL="360000" indent="-360000">
+              <a:spcBef>
+                <a:spcPts val="600"/>
+              </a:spcBef>
+              <a:spcAft>
+                <a:spcPts val="600"/>
+              </a:spcAft>
+              <a:buFont typeface="Arial" panose="020B0604020202020204" pitchFamily="34" charset="0"/>
+              <a:buNone/>
+              <a:defRPr lang="en-US" sz="2800" b="1" dirty="0">
+                <a:latin typeface="Consolas" pitchFamily="49" charset="0"/>
+              </a:defRPr>
+            </a:lvl1pPr>
+          </a:lstStyle>
+          <a:p>
+            <a:pPr marL="361950" lvl="0" indent="-361950" latinLnBrk="0">
+              <a:spcBef>
+                <a:spcPts val="0"/>
+              </a:spcBef>
+              <a:spcAft>
+                <a:spcPts val="0"/>
+              </a:spcAft>
+            </a:pPr>
+            <a:r>
+              <a:rPr lang="en-US" dirty="0"/>
+              <a:t>Source code …</a:t>
+            </a:r>
+          </a:p>
+          <a:p>
+            <a:pPr marL="361950" marR="0" lvl="0" indent="-361950" algn="l" defTabSz="1218438" rtl="0" eaLnBrk="1" fontAlgn="auto" latinLnBrk="0" hangingPunct="1">
+              <a:lnSpc>
+                <a:spcPct val="100000"/>
+              </a:lnSpc>
+              <a:spcBef>
+                <a:spcPts val="0"/>
+              </a:spcBef>
+              <a:spcAft>
+                <a:spcPts val="0"/>
+              </a:spcAft>
+              <a:buClr>
+                <a:schemeClr val="bg1"/>
+              </a:buClr>
+              <a:buSzTx/>
+              <a:tabLst/>
+              <a:defRPr/>
+            </a:pPr>
+            <a:r>
+              <a:rPr lang="en-US" dirty="0"/>
+              <a:t>Source code …</a:t>
+            </a:r>
+          </a:p>
+          <a:p>
+            <a:pPr marL="361950" marR="0" lvl="0" indent="-361950" algn="l" defTabSz="1218438" rtl="0" eaLnBrk="1" fontAlgn="auto" latinLnBrk="0" hangingPunct="1">
+              <a:lnSpc>
+                <a:spcPct val="100000"/>
+              </a:lnSpc>
+              <a:spcBef>
+                <a:spcPts val="0"/>
+              </a:spcBef>
+              <a:spcAft>
+                <a:spcPts val="0"/>
+              </a:spcAft>
+              <a:buClr>
+                <a:schemeClr val="bg1"/>
+              </a:buClr>
+              <a:buSzTx/>
+              <a:tabLst/>
+              <a:defRPr/>
+            </a:pPr>
+            <a:r>
+              <a:rPr lang="en-US" dirty="0"/>
+              <a:t>Source code …</a:t>
+            </a:r>
+          </a:p>
+        </p:txBody>
+      </p:sp>
+    </p:spTree>
+    <p:extLst>
+      <p:ext uri="{BB962C8B-B14F-4D97-AF65-F5344CB8AC3E}">
+        <p14:creationId xmlns:p14="http://schemas.microsoft.com/office/powerpoint/2010/main" val="587835834"/>
+      </p:ext>
+    </p:extLst>
+  </p:cSld>
+  <p:clrMapOvr>
+    <a:masterClrMapping/>
+  </p:clrMapOvr>
+  <mc:AlternateContent xmlns:mc="http://schemas.openxmlformats.org/markup-compatibility/2006" xmlns:p14="http://schemas.microsoft.com/office/powerpoint/2010/main">
+    <mc:Choice Requires="p14">
+      <p:transition spd="slow" p14:dur="2000" advClick="0" advTm="5000"/>
+    </mc:Choice>
+    <mc:Fallback xmlns="">
+      <p:transition spd="slow" advClick="0" advTm="5000"/>
+    </mc:Fallback>
+  </mc:AlternateContent>
+  <p:hf hdr="0" ftr="0" dt="0"/>
+</p:sldLayout>
+</file>
+
+<file path=ppt/slideLayouts/slideLayout11.xml><?xml version="1.0" encoding="utf-8"?>
 <p:sldLayout xmlns:a="http://schemas.openxmlformats.org/drawingml/2006/main" xmlns:r="http://schemas.openxmlformats.org/officeDocument/2006/relationships" xmlns:p="http://schemas.openxmlformats.org/presentationml/2006/main" preserve="1" userDrawn="1">
   <p:cSld name="Image and Content">
     <p:spTree>
@@ -3205,7 +3679,7 @@
 </p:sldLayout>
 </file>
 
-<file path=ppt/slideLayouts/slideLayout11.xml><?xml version="1.0" encoding="utf-8"?>
+<file path=ppt/slideLayouts/slideLayout12.xml><?xml version="1.0" encoding="utf-8"?>
 <p:sldLayout xmlns:a="http://schemas.openxmlformats.org/drawingml/2006/main" xmlns:r="http://schemas.openxmlformats.org/officeDocument/2006/relationships" xmlns:p="http://schemas.openxmlformats.org/presentationml/2006/main" preserve="1">
   <p:cSld name="Comparison Slide">
     <p:spTree>
@@ -3623,7 +4097,7 @@
 </p:sldLayout>
 </file>
 
-<file path=ppt/slideLayouts/slideLayout12.xml><?xml version="1.0" encoding="utf-8"?>
+<file path=ppt/slideLayouts/slideLayout13.xml><?xml version="1.0" encoding="utf-8"?>
 <p:sldLayout xmlns:a="http://schemas.openxmlformats.org/drawingml/2006/main" xmlns:r="http://schemas.openxmlformats.org/officeDocument/2006/relationships" xmlns:p="http://schemas.openxmlformats.org/presentationml/2006/main" preserve="1" userDrawn="1">
   <p:cSld name="Full Screen Image Slide">
     <p:spTree>
@@ -3819,7 +4293,7 @@
 </p:sldLayout>
 </file>
 
-<file path=ppt/slideLayouts/slideLayout13.xml><?xml version="1.0" encoding="utf-8"?>
+<file path=ppt/slideLayouts/slideLayout14.xml><?xml version="1.0" encoding="utf-8"?>
 <p:sldLayout xmlns:a="http://schemas.openxmlformats.org/drawingml/2006/main" xmlns:r="http://schemas.openxmlformats.org/officeDocument/2006/relationships" xmlns:p="http://schemas.openxmlformats.org/presentationml/2006/main" preserve="1" userDrawn="1">
   <p:cSld name="Blank Slide">
     <p:bg>
@@ -4001,7 +4475,7 @@
 </p:sldLayout>
 </file>
 
-<file path=ppt/slideLayouts/slideLayout14.xml><?xml version="1.0" encoding="utf-8"?>
+<file path=ppt/slideLayouts/slideLayout15.xml><?xml version="1.0" encoding="utf-8"?>
 <p:sldLayout xmlns:a="http://schemas.openxmlformats.org/drawingml/2006/main" xmlns:r="http://schemas.openxmlformats.org/officeDocument/2006/relationships" xmlns:p="http://schemas.openxmlformats.org/presentationml/2006/main" userDrawn="1">
   <p:cSld name="Breaks Slide">
     <p:bg>
@@ -4654,7 +5128,7 @@
 </p:sldLayout>
 </file>
 
-<file path=ppt/slideLayouts/slideLayout15.xml><?xml version="1.0" encoding="utf-8"?>
+<file path=ppt/slideLayouts/slideLayout16.xml><?xml version="1.0" encoding="utf-8"?>
 <p:sldLayout xmlns:a="http://schemas.openxmlformats.org/drawingml/2006/main" xmlns:r="http://schemas.openxmlformats.org/officeDocument/2006/relationships" xmlns:p="http://schemas.openxmlformats.org/presentationml/2006/main" preserve="1" userDrawn="1">
   <p:cSld name="Summary Slide">
     <p:spTree>
@@ -5262,7 +5736,7 @@
 </p:sldLayout>
 </file>
 
-<file path=ppt/slideLayouts/slideLayout16.xml><?xml version="1.0" encoding="utf-8"?>
+<file path=ppt/slideLayouts/slideLayout17.xml><?xml version="1.0" encoding="utf-8"?>
 <p:sldLayout xmlns:a="http://schemas.openxmlformats.org/drawingml/2006/main" xmlns:r="http://schemas.openxmlformats.org/officeDocument/2006/relationships" xmlns:p="http://schemas.openxmlformats.org/presentationml/2006/main" preserve="1" userDrawn="1">
   <p:cSld name="Questions Slide">
     <p:bg>
@@ -5875,7 +6349,7 @@
 </p:sldLayout>
 </file>
 
-<file path=ppt/slideLayouts/slideLayout17.xml><?xml version="1.0" encoding="utf-8"?>
+<file path=ppt/slideLayouts/slideLayout18.xml><?xml version="1.0" encoding="utf-8"?>
 <p:sldLayout xmlns:a="http://schemas.openxmlformats.org/drawingml/2006/main" xmlns:r="http://schemas.openxmlformats.org/officeDocument/2006/relationships" xmlns:p="http://schemas.openxmlformats.org/presentationml/2006/main" userDrawn="1">
   <p:cSld name="Homework Slide">
     <p:bg>
@@ -6289,7 +6763,7 @@
 </p:sldLayout>
 </file>
 
-<file path=ppt/slideLayouts/slideLayout18.xml><?xml version="1.0" encoding="utf-8"?>
+<file path=ppt/slideLayouts/slideLayout19.xml><?xml version="1.0" encoding="utf-8"?>
 <p:sldLayout xmlns:a="http://schemas.openxmlformats.org/drawingml/2006/main" xmlns:r="http://schemas.openxmlformats.org/officeDocument/2006/relationships" xmlns:p="http://schemas.openxmlformats.org/presentationml/2006/main" userDrawn="1">
   <p:cSld name="Additional Resources">
     <p:bg>
@@ -9741,15 +10215,16 @@
     <p:sldLayoutId id="2147483676" r:id="rId7"/>
     <p:sldLayoutId id="2147483674" r:id="rId8"/>
     <p:sldLayoutId id="2147483698" r:id="rId9"/>
-    <p:sldLayoutId id="2147483690" r:id="rId10"/>
-    <p:sldLayoutId id="2147483678" r:id="rId11"/>
-    <p:sldLayoutId id="2147483693" r:id="rId12"/>
-    <p:sldLayoutId id="2147483677" r:id="rId13"/>
-    <p:sldLayoutId id="2147483695" r:id="rId14"/>
-    <p:sldLayoutId id="2147483699" r:id="rId15"/>
-    <p:sldLayoutId id="2147483689" r:id="rId16"/>
-    <p:sldLayoutId id="2147483696" r:id="rId17"/>
-    <p:sldLayoutId id="2147483697" r:id="rId18"/>
+    <p:sldLayoutId id="2147483700" r:id="rId10"/>
+    <p:sldLayoutId id="2147483690" r:id="rId11"/>
+    <p:sldLayoutId id="2147483678" r:id="rId12"/>
+    <p:sldLayoutId id="2147483693" r:id="rId13"/>
+    <p:sldLayoutId id="2147483677" r:id="rId14"/>
+    <p:sldLayoutId id="2147483695" r:id="rId15"/>
+    <p:sldLayoutId id="2147483699" r:id="rId16"/>
+    <p:sldLayoutId id="2147483689" r:id="rId17"/>
+    <p:sldLayoutId id="2147483696" r:id="rId18"/>
+    <p:sldLayoutId id="2147483697" r:id="rId19"/>
   </p:sldLayoutIdLst>
   <mc:AlternateContent xmlns:mc="http://schemas.openxmlformats.org/markup-compatibility/2006" xmlns:p14="http://schemas.microsoft.com/office/powerpoint/2010/main">
     <mc:Choice Requires="p14">

--- a/Document-Templates/SoftUni-AI-PowerPoint-Template-Oct-2024.pptx
+++ b/Document-Templates/SoftUni-AI-PowerPoint-Template-Oct-2024.pptx
@@ -13,7 +13,7 @@
   <p:sldIdLst>
     <p:sldId id="667" r:id="rId5"/>
     <p:sldId id="276" r:id="rId6"/>
-    <p:sldId id="728" r:id="rId7"/>
+    <p:sldId id="784" r:id="rId7"/>
     <p:sldId id="771" r:id="rId8"/>
     <p:sldId id="743" r:id="rId9"/>
     <p:sldId id="747" r:id="rId10"/>
@@ -154,7 +154,7 @@
           <p14:sldIdLst>
             <p14:sldId id="667"/>
             <p14:sldId id="276"/>
-            <p14:sldId id="728"/>
+            <p14:sldId id="784"/>
           </p14:sldIdLst>
         </p14:section>
         <p14:section name="AI Tools for Developers" id="{7EA2683B-E73F-4F92-AEA4-35AAE5D6F5F3}">
@@ -2090,9 +2090,7 @@
             <a:avLst/>
           </a:prstGeom>
           <a:solidFill>
-            <a:srgbClr val="0984E4">
-              <a:alpha val="50196"/>
-            </a:srgbClr>
+            <a:srgbClr val="1B6C94"/>
           </a:solidFill>
           <a:ln>
             <a:noFill/>
@@ -3299,11 +3297,7 @@
             <a:avLst/>
           </a:prstGeom>
           <a:solidFill>
-            <a:schemeClr val="tx2">
-              <a:lumMod val="50000"/>
-              <a:lumOff val="50000"/>
-              <a:alpha val="69804"/>
-            </a:schemeClr>
+            <a:srgbClr val="1B6C94"/>
           </a:solidFill>
           <a:ln>
             <a:noFill/>
@@ -9527,12 +9521,20 @@
         </p:blipFill>
         <p:spPr>
           <a:xfrm rot="21326943">
-            <a:off x="117647" y="5224352"/>
+            <a:off x="91521" y="5224352"/>
             <a:ext cx="753440" cy="1388415"/>
           </a:xfrm>
           <a:prstGeom prst="rect">
             <a:avLst/>
           </a:prstGeom>
+          <a:effectLst>
+            <a:glow rad="101600">
+              <a:schemeClr val="accent4">
+                <a:satMod val="175000"/>
+                <a:alpha val="40000"/>
+              </a:schemeClr>
+            </a:glow>
+          </a:effectLst>
         </p:spPr>
       </p:pic>
     </p:spTree>
@@ -10041,6 +10043,14 @@
           <a:prstGeom prst="rect">
             <a:avLst/>
           </a:prstGeom>
+          <a:effectLst>
+            <a:glow rad="101600">
+              <a:schemeClr val="accent4">
+                <a:satMod val="175000"/>
+                <a:alpha val="40000"/>
+              </a:schemeClr>
+            </a:glow>
+          </a:effectLst>
         </p:spPr>
       </p:pic>
     </p:spTree>
@@ -18179,8 +18189,8 @@
             </a:avLst>
           </a:prstGeom>
           <a:solidFill>
-            <a:schemeClr val="bg1">
-              <a:lumMod val="75000"/>
+            <a:schemeClr val="accent6">
+              <a:lumMod val="50000"/>
               <a:alpha val="89804"/>
             </a:schemeClr>
           </a:solidFill>
@@ -18291,8 +18301,8 @@
             </a:avLst>
           </a:prstGeom>
           <a:solidFill>
-            <a:schemeClr val="bg1">
-              <a:lumMod val="75000"/>
+            <a:schemeClr val="accent6">
+              <a:lumMod val="50000"/>
               <a:alpha val="89804"/>
             </a:schemeClr>
           </a:solidFill>
@@ -18550,8 +18560,8 @@
             </a:avLst>
           </a:prstGeom>
           <a:solidFill>
-            <a:schemeClr val="bg1">
-              <a:lumMod val="75000"/>
+            <a:schemeClr val="accent6">
+              <a:lumMod val="50000"/>
               <a:alpha val="89804"/>
             </a:schemeClr>
           </a:solidFill>
@@ -18975,48 +18985,10 @@
       </p:grpSpPr>
       <p:sp>
         <p:nvSpPr>
-          <p:cNvPr id="2" name="Slide Number Placeholder 1">
+          <p:cNvPr id="2" name="Text Placeholder 1">
             <a:extLst>
               <a:ext uri="{FF2B5EF4-FFF2-40B4-BE49-F238E27FC236}">
-                <a16:creationId xmlns:a16="http://schemas.microsoft.com/office/drawing/2014/main" id="{6159EB2D-E204-DF0F-0F04-B85750F58799}"/>
-              </a:ext>
-            </a:extLst>
-          </p:cNvPr>
-          <p:cNvSpPr>
-            <a:spLocks noGrp="1"/>
-          </p:cNvSpPr>
-          <p:nvPr>
-            <p:ph type="sldNum" sz="quarter" idx="5"/>
-          </p:nvPr>
-        </p:nvSpPr>
-        <p:spPr>
-          <a:xfrm>
-            <a:off x="11749969" y="6444000"/>
-            <a:ext cx="367318" cy="297000"/>
-          </a:xfrm>
-          <a:prstGeom prst="rect">
-            <a:avLst/>
-          </a:prstGeom>
-        </p:spPr>
-        <p:txBody>
-          <a:bodyPr/>
-          <a:lstStyle/>
-          <a:p>
-            <a:fld id="{2BF067CD-8E6B-4360-9AA8-C5DF2A48A6D1}" type="slidenum">
-              <a:rPr lang="en-US" noProof="0" smtClean="0"/>
-              <a:pPr/>
-              <a:t>3</a:t>
-            </a:fld>
-            <a:endParaRPr lang="en-US" noProof="0" dirty="0"/>
-          </a:p>
-        </p:txBody>
-      </p:sp>
-      <p:sp>
-        <p:nvSpPr>
-          <p:cNvPr id="3" name="Text Placeholder 2">
-            <a:extLst>
-              <a:ext uri="{FF2B5EF4-FFF2-40B4-BE49-F238E27FC236}">
-                <a16:creationId xmlns:a16="http://schemas.microsoft.com/office/drawing/2014/main" id="{C2A34BDF-50D3-02C6-CF59-DBA15A08774E}"/>
+                <a16:creationId xmlns:a16="http://schemas.microsoft.com/office/drawing/2014/main" id="{80985012-EF4D-9BED-897B-F6D13EAD02FB}"/>
               </a:ext>
             </a:extLst>
           </p:cNvPr>
@@ -19027,71 +18999,72 @@
             <p:ph type="body" sz="quarter" idx="13"/>
           </p:nvPr>
         </p:nvSpPr>
-        <p:spPr>
-          <a:xfrm>
-            <a:off x="4438228" y="1265318"/>
-            <a:ext cx="7553884" cy="5491931"/>
-          </a:xfrm>
-        </p:spPr>
+        <p:spPr/>
         <p:txBody>
-          <a:bodyPr>
-            <a:noAutofit/>
-          </a:bodyPr>
+          <a:bodyPr/>
           <a:lstStyle/>
           <a:p>
+            <a:pPr>
+              <a:lnSpc>
+                <a:spcPct val="105000"/>
+              </a:lnSpc>
+            </a:pPr>
             <a:r>
               <a:rPr lang="en-US" sz="3200" dirty="0"/>
               <a:t>Software engineer, educator, tech entrepreneur, author of 16 books, PhD</a:t>
             </a:r>
-            <a:endParaRPr lang="bg-BG" sz="3200" dirty="0"/>
-          </a:p>
-          <a:p>
-            <a:pPr marL="0" lvl="1" indent="0" algn="ctr">
+          </a:p>
+          <a:p>
+            <a:pPr marL="0" indent="0" algn="ctr">
+              <a:lnSpc>
+                <a:spcPct val="105000"/>
+              </a:lnSpc>
               <a:buNone/>
             </a:pPr>
             <a:r>
-              <a:rPr lang="en-US" dirty="0">
+              <a:rPr lang="en-US" sz="3200" dirty="0">
                 <a:hlinkClick r:id="rId2"/>
               </a:rPr>
               <a:t>nakov.com</a:t>
             </a:r>
-            <a:r>
-              <a:rPr lang="en-US" dirty="0"/>
-              <a:t> </a:t>
-            </a:r>
-            <a:endParaRPr lang="bg-BG" dirty="0"/>
-          </a:p>
-          <a:p>
-            <a:r>
-              <a:rPr lang="bg-BG" sz="3200" dirty="0"/>
+            <a:endParaRPr lang="bg-BG" sz="3200" dirty="0"/>
+          </a:p>
+          <a:p>
+            <a:pPr>
+              <a:lnSpc>
+                <a:spcPct val="105000"/>
+              </a:lnSpc>
+            </a:pPr>
+            <a:r>
+              <a:rPr lang="bg-BG" sz="3100" dirty="0"/>
               <a:t>4 </a:t>
             </a:r>
             <a:r>
-              <a:rPr lang="en-US" sz="3200" dirty="0"/>
+              <a:rPr lang="en-US" sz="3100" dirty="0"/>
               <a:t>successful tech education initiatives</a:t>
             </a:r>
-            <a:endParaRPr lang="bg-BG" sz="3200" dirty="0"/>
+            <a:endParaRPr lang="bg-BG" sz="3100" dirty="0"/>
           </a:p>
           <a:p>
             <a:pPr lvl="1"/>
             <a:r>
-              <a:rPr lang="en-US" sz="3000" b="1" dirty="0">
+              <a:rPr lang="en-US" sz="2800" b="1" dirty="0">
                 <a:solidFill>
                   <a:schemeClr val="accent4"/>
                 </a:solidFill>
               </a:rPr>
-              <a:t>National Academy for Software Development </a:t>
-            </a:r>
-            <a:r>
-              <a:rPr lang="en-US" sz="3000" dirty="0"/>
-              <a:t>(NASD) – 2004</a:t>
-            </a:r>
-            <a:endParaRPr lang="bg-BG" sz="3000" dirty="0"/>
+              <a:t>National Academy for Software Development (NASD) </a:t>
+            </a:r>
+            <a:r>
+              <a:rPr lang="en-US" sz="2800" dirty="0"/>
+              <a:t>– 2004</a:t>
+            </a:r>
+            <a:endParaRPr lang="bg-BG" sz="2800" dirty="0"/>
           </a:p>
           <a:p>
             <a:pPr lvl="1"/>
             <a:r>
-              <a:rPr lang="en-US" sz="3000" b="1" dirty="0">
+              <a:rPr lang="en-US" sz="2800" b="1" dirty="0">
                 <a:solidFill>
                   <a:schemeClr val="accent4"/>
                 </a:solidFill>
@@ -19099,37 +19072,31 @@
               <a:t>Telerik Software Academy </a:t>
             </a:r>
             <a:r>
-              <a:rPr lang="en-US" sz="3000" dirty="0"/>
+              <a:rPr lang="en-US" sz="2800" dirty="0"/>
               <a:t>– 2009</a:t>
             </a:r>
-            <a:endParaRPr lang="bg-BG" sz="3000" dirty="0">
-              <a:solidFill>
-                <a:schemeClr val="tx2">
-                  <a:lumMod val="75000"/>
-                </a:schemeClr>
-              </a:solidFill>
-            </a:endParaRPr>
+            <a:endParaRPr lang="bg-BG" sz="2800" dirty="0"/>
           </a:p>
           <a:p>
             <a:pPr lvl="1"/>
             <a:r>
-              <a:rPr lang="en-US" sz="3000" b="1" dirty="0">
+              <a:rPr lang="en-US" sz="2800" b="1" dirty="0">
                 <a:solidFill>
                   <a:schemeClr val="accent4"/>
                 </a:solidFill>
               </a:rPr>
-              <a:t>SoftUni</a:t>
-            </a:r>
-            <a:r>
-              <a:rPr lang="en-US" sz="3000" dirty="0"/>
-              <a:t> (Software University) – 2014</a:t>
-            </a:r>
-            <a:endParaRPr lang="bg-BG" sz="3000" dirty="0"/>
+              <a:t>SoftUni (Software University) </a:t>
+            </a:r>
+            <a:r>
+              <a:rPr lang="en-US" sz="2800" dirty="0"/>
+              <a:t>– 2014</a:t>
+            </a:r>
+            <a:endParaRPr lang="bg-BG" sz="2800" dirty="0"/>
           </a:p>
           <a:p>
             <a:pPr lvl="1"/>
             <a:r>
-              <a:rPr lang="en-US" sz="3000" b="1" dirty="0">
+              <a:rPr lang="en-US" sz="2800" b="1" dirty="0">
                 <a:solidFill>
                   <a:schemeClr val="accent4"/>
                 </a:solidFill>
@@ -19137,9 +19104,10 @@
               <a:t>IT School "SoftUni BUDITEL" </a:t>
             </a:r>
             <a:r>
-              <a:rPr lang="en-US" sz="3000" dirty="0"/>
+              <a:rPr lang="en-US" sz="2800" dirty="0"/>
               <a:t>– 2018</a:t>
             </a:r>
+            <a:endParaRPr lang="en-US" dirty="0"/>
           </a:p>
         </p:txBody>
       </p:sp>
@@ -19148,7 +19116,7 @@
           <p:cNvPr id="4" name="Title 3">
             <a:extLst>
               <a:ext uri="{FF2B5EF4-FFF2-40B4-BE49-F238E27FC236}">
-                <a16:creationId xmlns:a16="http://schemas.microsoft.com/office/drawing/2014/main" id="{2F337DB1-F70A-F8F2-83D5-DAE81E8C468D}"/>
+                <a16:creationId xmlns:a16="http://schemas.microsoft.com/office/drawing/2014/main" id="{F721DDF1-81B7-EA4D-5C1E-FBEEDDD42902}"/>
               </a:ext>
             </a:extLst>
           </p:cNvPr>
@@ -19165,9 +19133,38 @@
           <a:lstStyle/>
           <a:p>
             <a:r>
-              <a:rPr lang="en-US" sz="4400" dirty="0"/>
+              <a:rPr lang="en-US" dirty="0"/>
               <a:t>About Svetlin Nakov</a:t>
             </a:r>
+          </a:p>
+        </p:txBody>
+      </p:sp>
+      <p:sp>
+        <p:nvSpPr>
+          <p:cNvPr id="5" name="Slide Number Placeholder 4">
+            <a:extLst>
+              <a:ext uri="{FF2B5EF4-FFF2-40B4-BE49-F238E27FC236}">
+                <a16:creationId xmlns:a16="http://schemas.microsoft.com/office/drawing/2014/main" id="{042148A3-991A-1211-24B4-ABEC1C28BD4D}"/>
+              </a:ext>
+            </a:extLst>
+          </p:cNvPr>
+          <p:cNvSpPr>
+            <a:spLocks noGrp="1"/>
+          </p:cNvSpPr>
+          <p:nvPr>
+            <p:ph type="sldNum" sz="quarter" idx="5"/>
+          </p:nvPr>
+        </p:nvSpPr>
+        <p:spPr/>
+        <p:txBody>
+          <a:bodyPr/>
+          <a:lstStyle/>
+          <a:p>
+            <a:fld id="{2BF067CD-8E6B-4360-9AA8-C5DF2A48A6D1}" type="slidenum">
+              <a:rPr lang="en-US" smtClean="0"/>
+              <a:pPr/>
+              <a:t>3</a:t>
+            </a:fld>
             <a:endParaRPr lang="en-US" dirty="0"/>
           </a:p>
         </p:txBody>
@@ -19189,7 +19186,7 @@
           </p:nvPr>
         </p:nvPicPr>
         <p:blipFill>
-          <a:blip r:embed="rId3">
+          <a:blip r:embed="rId3" cstate="screen">
             <a:extLst>
               <a:ext uri="{28A0092B-C50C-407E-A947-70E740481C1C}">
                 <a14:useLocalDpi xmlns:a14="http://schemas.microsoft.com/office/drawing/2010/main" val="0"/>
@@ -19199,12 +19196,17 @@
           <a:srcRect/>
           <a:stretch/>
         </p:blipFill>
-        <p:spPr/>
+        <p:spPr>
+          <a:xfrm>
+            <a:off x="261938" y="1265238"/>
+            <a:ext cx="3889375" cy="5319712"/>
+          </a:xfrm>
+        </p:spPr>
       </p:pic>
     </p:spTree>
     <p:extLst>
       <p:ext uri="{BB962C8B-B14F-4D97-AF65-F5344CB8AC3E}">
-        <p14:creationId xmlns:p14="http://schemas.microsoft.com/office/powerpoint/2010/main" val="3207373341"/>
+        <p14:creationId xmlns:p14="http://schemas.microsoft.com/office/powerpoint/2010/main" val="2277617954"/>
       </p:ext>
     </p:extLst>
   </p:cSld>
@@ -19253,7 +19255,7 @@
                                           </p:stCondLst>
                                         </p:cTn>
                                         <p:tgtEl>
-                                          <p:spTgt spid="3">
+                                          <p:spTgt spid="2">
                                             <p:txEl>
                                               <p:pRg st="2" end="2"/>
                                             </p:txEl>
@@ -19270,21 +19272,39 @@
                                   </p:childTnLst>
                                 </p:cTn>
                               </p:par>
+                            </p:childTnLst>
+                          </p:cTn>
+                        </p:par>
+                      </p:childTnLst>
+                    </p:cTn>
+                  </p:par>
+                  <p:par>
+                    <p:cTn id="7" fill="hold">
+                      <p:stCondLst>
+                        <p:cond delay="indefinite"/>
+                      </p:stCondLst>
+                      <p:childTnLst>
+                        <p:par>
+                          <p:cTn id="8" fill="hold">
+                            <p:stCondLst>
+                              <p:cond delay="0"/>
+                            </p:stCondLst>
+                            <p:childTnLst>
                               <p:par>
-                                <p:cTn id="7" presetID="1" presetClass="entr" presetSubtype="0" fill="hold" nodeType="withEffect">
+                                <p:cTn id="9" presetID="1" presetClass="entr" presetSubtype="0" fill="hold" nodeType="clickEffect">
                                   <p:stCondLst>
                                     <p:cond delay="0"/>
                                   </p:stCondLst>
                                   <p:childTnLst>
                                     <p:set>
                                       <p:cBhvr>
-                                        <p:cTn id="8" dur="1" fill="hold">
+                                        <p:cTn id="10" dur="1" fill="hold">
                                           <p:stCondLst>
                                             <p:cond delay="0"/>
                                           </p:stCondLst>
                                         </p:cTn>
                                         <p:tgtEl>
-                                          <p:spTgt spid="3">
+                                          <p:spTgt spid="2">
                                             <p:txEl>
                                               <p:pRg st="3" end="3"/>
                                             </p:txEl>
@@ -19308,32 +19328,32 @@
                     </p:cTn>
                   </p:par>
                   <p:par>
-                    <p:cTn id="9" fill="hold">
+                    <p:cTn id="11" fill="hold">
                       <p:stCondLst>
                         <p:cond delay="indefinite"/>
                       </p:stCondLst>
                       <p:childTnLst>
                         <p:par>
-                          <p:cTn id="10" fill="hold">
+                          <p:cTn id="12" fill="hold">
                             <p:stCondLst>
                               <p:cond delay="0"/>
                             </p:stCondLst>
                             <p:childTnLst>
                               <p:par>
-                                <p:cTn id="11" presetID="1" presetClass="entr" presetSubtype="0" fill="hold" nodeType="clickEffect">
+                                <p:cTn id="13" presetID="1" presetClass="entr" presetSubtype="0" fill="hold" nodeType="clickEffect">
                                   <p:stCondLst>
                                     <p:cond delay="0"/>
                                   </p:stCondLst>
                                   <p:childTnLst>
                                     <p:set>
                                       <p:cBhvr>
-                                        <p:cTn id="12" dur="1" fill="hold">
+                                        <p:cTn id="14" dur="1" fill="hold">
                                           <p:stCondLst>
                                             <p:cond delay="0"/>
                                           </p:stCondLst>
                                         </p:cTn>
                                         <p:tgtEl>
-                                          <p:spTgt spid="3">
+                                          <p:spTgt spid="2">
                                             <p:txEl>
                                               <p:pRg st="4" end="4"/>
                                             </p:txEl>
@@ -19357,32 +19377,32 @@
                     </p:cTn>
                   </p:par>
                   <p:par>
-                    <p:cTn id="13" fill="hold">
+                    <p:cTn id="15" fill="hold">
                       <p:stCondLst>
                         <p:cond delay="indefinite"/>
                       </p:stCondLst>
                       <p:childTnLst>
                         <p:par>
-                          <p:cTn id="14" fill="hold">
+                          <p:cTn id="16" fill="hold">
                             <p:stCondLst>
                               <p:cond delay="0"/>
                             </p:stCondLst>
                             <p:childTnLst>
                               <p:par>
-                                <p:cTn id="15" presetID="1" presetClass="entr" presetSubtype="0" fill="hold" nodeType="clickEffect">
+                                <p:cTn id="17" presetID="1" presetClass="entr" presetSubtype="0" fill="hold" nodeType="clickEffect">
                                   <p:stCondLst>
                                     <p:cond delay="0"/>
                                   </p:stCondLst>
                                   <p:childTnLst>
                                     <p:set>
                                       <p:cBhvr>
-                                        <p:cTn id="16" dur="1" fill="hold">
+                                        <p:cTn id="18" dur="1" fill="hold">
                                           <p:stCondLst>
                                             <p:cond delay="0"/>
                                           </p:stCondLst>
                                         </p:cTn>
                                         <p:tgtEl>
-                                          <p:spTgt spid="3">
+                                          <p:spTgt spid="2">
                                             <p:txEl>
                                               <p:pRg st="5" end="5"/>
                                             </p:txEl>
@@ -19406,32 +19426,32 @@
                     </p:cTn>
                   </p:par>
                   <p:par>
-                    <p:cTn id="17" fill="hold">
+                    <p:cTn id="19" fill="hold">
                       <p:stCondLst>
                         <p:cond delay="indefinite"/>
                       </p:stCondLst>
                       <p:childTnLst>
                         <p:par>
-                          <p:cTn id="18" fill="hold">
+                          <p:cTn id="20" fill="hold">
                             <p:stCondLst>
                               <p:cond delay="0"/>
                             </p:stCondLst>
                             <p:childTnLst>
                               <p:par>
-                                <p:cTn id="19" presetID="1" presetClass="entr" presetSubtype="0" fill="hold" nodeType="clickEffect">
+                                <p:cTn id="21" presetID="1" presetClass="entr" presetSubtype="0" fill="hold" nodeType="clickEffect">
                                   <p:stCondLst>
                                     <p:cond delay="0"/>
                                   </p:stCondLst>
                                   <p:childTnLst>
                                     <p:set>
                                       <p:cBhvr>
-                                        <p:cTn id="20" dur="1" fill="hold">
+                                        <p:cTn id="22" dur="1" fill="hold">
                                           <p:stCondLst>
                                             <p:cond delay="0"/>
                                           </p:stCondLst>
                                         </p:cTn>
                                         <p:tgtEl>
-                                          <p:spTgt spid="3">
+                                          <p:spTgt spid="2">
                                             <p:txEl>
                                               <p:pRg st="6" end="6"/>
                                             </p:txEl>
@@ -23376,7 +23396,7 @@
           <a:lstStyle/>
           <a:p>
             <a:r>
-              <a:rPr lang="en-GB" dirty="0"/>
+              <a:rPr lang="en-GB"/>
               <a:t>ChatGPT, Claude and Others</a:t>
             </a:r>
             <a:endParaRPr lang="en-US" dirty="0"/>
@@ -23410,9 +23430,10 @@
           <a:lstStyle/>
           <a:p>
             <a:r>
-              <a:rPr lang="en-US" dirty="0"/>
+              <a:rPr lang="en-US"/>
               <a:t>AI Chatbots for Coding</a:t>
             </a:r>
+            <a:endParaRPr lang="en-US" dirty="0"/>
           </a:p>
         </p:txBody>
       </p:sp>
@@ -23474,7 +23495,7 @@
         </p:blipFill>
         <p:spPr>
           <a:xfrm>
-            <a:off x="1276272" y="1845784"/>
+            <a:off x="1276272" y="1902390"/>
             <a:ext cx="2231288" cy="2231288"/>
           </a:xfrm>
           <a:prstGeom prst="rect">
@@ -24079,7 +24100,7 @@
         </p:nvSpPr>
         <p:spPr>
           <a:xfrm>
-            <a:off x="621803" y="1916832"/>
+            <a:off x="621803" y="1957472"/>
             <a:ext cx="10945218" cy="1079884"/>
           </a:xfrm>
           <a:prstGeom prst="rect">
@@ -24368,87 +24389,15 @@
         </p:nvSpPr>
         <p:spPr bwMode="auto">
           <a:xfrm>
-            <a:off x="5590653" y="3170804"/>
+            <a:off x="5590653" y="3211444"/>
             <a:ext cx="287735" cy="385689"/>
           </a:xfrm>
           <a:prstGeom prst="downArrow">
             <a:avLst/>
           </a:prstGeom>
           <a:solidFill>
-            <a:schemeClr val="bg1">
-              <a:lumMod val="75000"/>
-            </a:schemeClr>
-          </a:solidFill>
-          <a:ln w="6350">
-            <a:solidFill>
-              <a:schemeClr val="bg1"/>
-            </a:solidFill>
-          </a:ln>
-        </p:spPr>
-        <p:style>
-          <a:lnRef idx="2">
-            <a:schemeClr val="accent2"/>
-          </a:lnRef>
-          <a:fillRef idx="1">
-            <a:schemeClr val="lt1"/>
-          </a:fillRef>
-          <a:effectRef idx="0">
-            <a:schemeClr val="accent2"/>
-          </a:effectRef>
-          <a:fontRef idx="minor">
-            <a:schemeClr val="dk1"/>
-          </a:fontRef>
-        </p:style>
-        <p:txBody>
-          <a:bodyPr wrap="square" lIns="108000" tIns="108000" rIns="108000" bIns="108000">
-            <a:noAutofit/>
-          </a:bodyPr>
-          <a:lstStyle/>
-          <a:p>
-            <a:endParaRPr lang="en-US" dirty="0">
-              <a:solidFill>
-                <a:schemeClr val="dk1"/>
-              </a:solidFill>
-              <a:effectLst>
-                <a:outerShdw blurRad="38100" dist="38100" dir="2700000" algn="tl">
-                  <a:schemeClr val="bg2">
-                    <a:alpha val="43000"/>
-                  </a:schemeClr>
-                </a:outerShdw>
-              </a:effectLst>
-            </a:endParaRPr>
-          </a:p>
-        </p:txBody>
-      </p:sp>
-      <p:sp>
-        <p:nvSpPr>
-          <p:cNvPr id="13" name="AutoShape 7">
-            <a:extLst>
-              <a:ext uri="{FF2B5EF4-FFF2-40B4-BE49-F238E27FC236}">
-                <a16:creationId xmlns:a16="http://schemas.microsoft.com/office/drawing/2014/main" id="{DEDE90C4-3EF2-064E-3A75-272EE5890550}"/>
-              </a:ext>
-            </a:extLst>
-          </p:cNvPr>
-          <p:cNvSpPr>
-            <a:spLocks noChangeArrowheads="1"/>
-          </p:cNvSpPr>
-          <p:nvPr/>
-        </p:nvSpPr>
-        <p:spPr bwMode="auto">
-          <a:xfrm>
-            <a:off x="6382444" y="4495930"/>
-            <a:ext cx="4015792" cy="1227675"/>
-          </a:xfrm>
-          <a:prstGeom prst="wedgeRoundRectCallout">
-            <a:avLst>
-              <a:gd name="adj1" fmla="val -69744"/>
-              <a:gd name="adj2" fmla="val 39555"/>
-              <a:gd name="adj3" fmla="val 16667"/>
-            </a:avLst>
-          </a:prstGeom>
-          <a:solidFill>
-            <a:schemeClr val="bg1">
-              <a:lumMod val="75000"/>
+            <a:schemeClr val="accent6">
+              <a:lumMod val="50000"/>
               <a:alpha val="89804"/>
             </a:schemeClr>
           </a:solidFill>
@@ -24487,6 +24436,88 @@
           <a:lstStyle/>
           <a:p>
             <a:pPr algn="ctr"/>
+            <a:endParaRPr lang="en-US" sz="2800" b="1" dirty="0">
+              <a:solidFill>
+                <a:srgbClr val="FFFFFF"/>
+              </a:solidFill>
+              <a:effectLst>
+                <a:outerShdw blurRad="38100" dist="38100" dir="2700000" algn="tl">
+                  <a:srgbClr val="000000">
+                    <a:alpha val="43137"/>
+                  </a:srgbClr>
+                </a:outerShdw>
+              </a:effectLst>
+            </a:endParaRPr>
+          </a:p>
+        </p:txBody>
+      </p:sp>
+      <p:sp>
+        <p:nvSpPr>
+          <p:cNvPr id="13" name="AutoShape 7">
+            <a:extLst>
+              <a:ext uri="{FF2B5EF4-FFF2-40B4-BE49-F238E27FC236}">
+                <a16:creationId xmlns:a16="http://schemas.microsoft.com/office/drawing/2014/main" id="{DEDE90C4-3EF2-064E-3A75-272EE5890550}"/>
+              </a:ext>
+            </a:extLst>
+          </p:cNvPr>
+          <p:cNvSpPr>
+            <a:spLocks noChangeArrowheads="1"/>
+          </p:cNvSpPr>
+          <p:nvPr/>
+        </p:nvSpPr>
+        <p:spPr bwMode="auto">
+          <a:xfrm>
+            <a:off x="6382444" y="4272273"/>
+            <a:ext cx="4015792" cy="1227675"/>
+          </a:xfrm>
+          <a:prstGeom prst="wedgeRoundRectCallout">
+            <a:avLst>
+              <a:gd name="adj1" fmla="val -69744"/>
+              <a:gd name="adj2" fmla="val 44875"/>
+              <a:gd name="adj3" fmla="val 16667"/>
+            </a:avLst>
+          </a:prstGeom>
+          <a:solidFill>
+            <a:schemeClr val="accent6">
+              <a:lumMod val="50000"/>
+              <a:alpha val="89804"/>
+            </a:schemeClr>
+          </a:solidFill>
+          <a:ln w="19050">
+            <a:solidFill>
+              <a:schemeClr val="bg1">
+                <a:lumMod val="75000"/>
+                <a:alpha val="80000"/>
+              </a:schemeClr>
+            </a:solidFill>
+          </a:ln>
+        </p:spPr>
+        <p:style>
+          <a:lnRef idx="2">
+            <a:schemeClr val="accent1">
+              <a:shade val="50000"/>
+            </a:schemeClr>
+          </a:lnRef>
+          <a:fillRef idx="1">
+            <a:schemeClr val="accent1"/>
+          </a:fillRef>
+          <a:effectRef idx="0">
+            <a:schemeClr val="accent1"/>
+          </a:effectRef>
+          <a:fontRef idx="minor">
+            <a:schemeClr val="lt1"/>
+          </a:fontRef>
+        </p:style>
+        <p:txBody>
+          <a:bodyPr rot="0" spcFirstLastPara="0" vertOverflow="overflow" horzOverflow="overflow" vert="horz" wrap="square" lIns="91440" tIns="45720" rIns="91440" bIns="45720" numCol="1" spcCol="0" rtlCol="0" fromWordArt="0" anchor="ctr" anchorCtr="0" forceAA="0" compatLnSpc="1">
+            <a:prstTxWarp prst="textNoShape">
+              <a:avLst/>
+            </a:prstTxWarp>
+            <a:noAutofit/>
+          </a:bodyPr>
+          <a:lstStyle/>
+          <a:p>
+            <a:pPr algn="ctr"/>
             <a:r>
               <a:rPr lang="en-US" sz="2800" b="1" dirty="0">
                 <a:solidFill>
@@ -24503,7 +24534,7 @@
               <a:t>Typically, ChatGPT generates a </a:t>
             </a:r>
             <a:r>
-              <a:rPr lang="en-US" sz="2800" b="1">
+              <a:rPr lang="en-US" sz="2800" b="1" dirty="0">
                 <a:solidFill>
                   <a:schemeClr val="accent4"/>
                 </a:solidFill>
@@ -24519,7 +24550,7 @@
             </a:r>
             <a:endParaRPr lang="bg-BG" sz="2800" b="1" dirty="0">
               <a:solidFill>
-                <a:srgbClr val="FFFFFF"/>
+                <a:schemeClr val="accent4"/>
               </a:solidFill>
               <a:effectLst>
                 <a:outerShdw blurRad="38100" dist="38100" dir="2700000" algn="tl">
@@ -24739,10 +24770,10 @@
         <a:srgbClr val="98D8CB"/>
       </a:accent6>
       <a:hlink>
-        <a:srgbClr val="B8CFE6"/>
+        <a:srgbClr val="98D8CB"/>
       </a:hlink>
       <a:folHlink>
-        <a:srgbClr val="8FB4D8"/>
+        <a:srgbClr val="55BEA9"/>
       </a:folHlink>
     </a:clrScheme>
     <a:fontScheme name="SoftUni AI">
@@ -25903,9 +25934,15 @@
 <ds:datastoreItem xmlns:ds="http://schemas.openxmlformats.org/officeDocument/2006/customXml" ds:itemID="{1CC6AC7F-F4C9-4C02-9C8E-00B5F4588C84}">
   <ds:schemaRefs>
     <ds:schemaRef ds:uri="http://schemas.microsoft.com/office/2006/metadata/properties"/>
+    <ds:schemaRef ds:uri="http://schemas.microsoft.com/office/2006/documentManagement/types"/>
+    <ds:schemaRef ds:uri="http://www.w3.org/XML/1998/namespace"/>
+    <ds:schemaRef ds:uri="http://purl.org/dc/dcmitype/"/>
+    <ds:schemaRef ds:uri="b7aee57a-33bc-479a-b375-2a9789967078"/>
+    <ds:schemaRef ds:uri="http://purl.org/dc/elements/1.1/"/>
     <ds:schemaRef ds:uri="http://schemas.microsoft.com/office/infopath/2007/PartnerControls"/>
-    <ds:schemaRef ds:uri="b7aee57a-33bc-479a-b375-2a9789967078"/>
+    <ds:schemaRef ds:uri="http://schemas.openxmlformats.org/package/2006/metadata/core-properties"/>
     <ds:schemaRef ds:uri="d0d25b69-8e68-4841-9284-bd8f9504d222"/>
+    <ds:schemaRef ds:uri="http://purl.org/dc/terms/"/>
   </ds:schemaRefs>
 </ds:datastoreItem>
 </file>

--- a/Document-Templates/SoftUni-AI-PowerPoint-Template-Oct-2024.pptx
+++ b/Document-Templates/SoftUni-AI-PowerPoint-Template-Oct-2024.pptx
@@ -2558,7 +2558,10 @@
               <a:buNone/>
               <a:defRPr lang="en-US" sz="3600" b="1" kern="1200" dirty="0" smtClean="0">
                 <a:solidFill>
-                  <a:schemeClr val="bg2"/>
+                  <a:schemeClr val="bg1">
+                    <a:lumMod val="20000"/>
+                    <a:lumOff val="80000"/>
+                  </a:schemeClr>
                 </a:solidFill>
                 <a:effectLst/>
                 <a:latin typeface="+mn-lt"/>
@@ -2660,7 +2663,10 @@
             <a:lvl1pPr algn="ctr">
               <a:defRPr sz="5400" b="1" i="0">
                 <a:solidFill>
-                  <a:schemeClr val="bg2"/>
+                  <a:schemeClr val="bg1">
+                    <a:lumMod val="20000"/>
+                    <a:lumOff val="80000"/>
+                  </a:schemeClr>
                 </a:solidFill>
                 <a:latin typeface="+mj-lt"/>
               </a:defRPr>
@@ -2794,7 +2800,10 @@
             <a:pPr algn="ctr"/>
             <a:endParaRPr lang="en-BG" sz="2800" b="0" dirty="0">
               <a:solidFill>
-                <a:srgbClr val="FFFFFF"/>
+                <a:schemeClr val="bg1">
+                  <a:lumMod val="20000"/>
+                  <a:lumOff val="80000"/>
+                </a:schemeClr>
               </a:solidFill>
               <a:effectLst>
                 <a:outerShdw blurRad="38100" dist="38100" dir="2700000" algn="tl">
@@ -2990,7 +2999,10 @@
             <a:lvl1pPr>
               <a:defRPr lang="en-US" sz="4400" b="1" i="0" kern="1200" dirty="0">
                 <a:solidFill>
-                  <a:schemeClr val="bg2"/>
+                  <a:schemeClr val="bg1">
+                    <a:lumMod val="20000"/>
+                    <a:lumOff val="80000"/>
+                  </a:schemeClr>
                 </a:solidFill>
                 <a:latin typeface="+mj-lt"/>
                 <a:ea typeface="Roboto" panose="02000000000000000000" pitchFamily="2" charset="0"/>
@@ -3554,7 +3566,10 @@
             <a:lvl1pPr latinLnBrk="0">
               <a:defRPr sz="4400">
                 <a:solidFill>
-                  <a:schemeClr val="bg2"/>
+                  <a:schemeClr val="bg1">
+                    <a:lumMod val="20000"/>
+                    <a:lumOff val="80000"/>
+                  </a:schemeClr>
                 </a:solidFill>
               </a:defRPr>
             </a:lvl1pPr>
@@ -3925,7 +3940,10 @@
             <a:lvl1pPr>
               <a:defRPr sz="4400">
                 <a:solidFill>
-                  <a:schemeClr val="bg2"/>
+                  <a:schemeClr val="bg1">
+                    <a:lumMod val="20000"/>
+                    <a:lumOff val="80000"/>
+                  </a:schemeClr>
                 </a:solidFill>
               </a:defRPr>
             </a:lvl1pPr>
@@ -4137,7 +4155,14 @@
           <a:lstStyle>
             <a:lvl1pPr marL="0" indent="0" algn="ctr">
               <a:buNone/>
-              <a:defRPr sz="3200"/>
+              <a:defRPr sz="3200">
+                <a:solidFill>
+                  <a:schemeClr val="bg1">
+                    <a:lumMod val="20000"/>
+                    <a:lumOff val="80000"/>
+                  </a:schemeClr>
+                </a:solidFill>
+              </a:defRPr>
             </a:lvl1pPr>
           </a:lstStyle>
           <a:p>
@@ -4196,7 +4221,10 @@
             <a:lvl1pPr algn="ctr">
               <a:defRPr sz="4400">
                 <a:solidFill>
-                  <a:schemeClr val="bg2"/>
+                  <a:schemeClr val="bg1">
+                    <a:lumMod val="20000"/>
+                    <a:lumOff val="80000"/>
+                  </a:schemeClr>
                 </a:solidFill>
                 <a:effectLst>
                   <a:outerShdw blurRad="38100" dist="38100" dir="2700000" algn="tl">
@@ -4350,6 +4378,12 @@
           <a:lstStyle>
             <a:lvl1pPr>
               <a:defRPr sz="4400" b="1" i="0">
+                <a:solidFill>
+                  <a:schemeClr val="bg1">
+                    <a:lumMod val="20000"/>
+                    <a:lumOff val="80000"/>
+                  </a:schemeClr>
+                </a:solidFill>
                 <a:latin typeface="+mj-lt"/>
               </a:defRPr>
             </a:lvl1pPr>
@@ -4942,63 +4976,6 @@
           </a:prstGeom>
         </p:spPr>
       </p:pic>
-      <p:sp>
-        <p:nvSpPr>
-          <p:cNvPr id="6" name="Slide Title">
-            <a:extLst>
-              <a:ext uri="{FF2B5EF4-FFF2-40B4-BE49-F238E27FC236}">
-                <a16:creationId xmlns:a16="http://schemas.microsoft.com/office/drawing/2014/main" id="{615017D4-3D2C-E96D-4871-92490A970187}"/>
-              </a:ext>
-            </a:extLst>
-          </p:cNvPr>
-          <p:cNvSpPr txBox="1"/>
-          <p:nvPr userDrawn="1"/>
-        </p:nvSpPr>
-        <p:spPr>
-          <a:xfrm>
-            <a:off x="621804" y="332656"/>
-            <a:ext cx="6828622" cy="1169524"/>
-          </a:xfrm>
-          <a:prstGeom prst="rect">
-            <a:avLst/>
-          </a:prstGeom>
-          <a:noFill/>
-          <a:ln w="12700">
-            <a:noFill/>
-          </a:ln>
-        </p:spPr>
-        <p:txBody>
-          <a:bodyPr vert="horz" wrap="square" lIns="144000" tIns="108000" rIns="144000" bIns="108000" rtlCol="0">
-            <a:spAutoFit/>
-          </a:bodyPr>
-          <a:lstStyle/>
-          <a:p>
-            <a:pPr algn="l" eaLnBrk="0" hangingPunct="0">
-              <a:lnSpc>
-                <a:spcPct val="110000"/>
-              </a:lnSpc>
-              <a:buClr>
-                <a:schemeClr val="accent5">
-                  <a:lumMod val="40000"/>
-                  <a:lumOff val="60000"/>
-                </a:schemeClr>
-              </a:buClr>
-              <a:buSzPct val="70000"/>
-            </a:pPr>
-            <a:r>
-              <a:rPr lang="en-BG" sz="6000" b="1" i="0" dirty="0">
-                <a:solidFill>
-                  <a:schemeClr val="bg2"/>
-                </a:solidFill>
-                <a:latin typeface="+mj-lt"/>
-                <a:ea typeface="Roboto Lt" panose="02000000000000000000" pitchFamily="2" charset="0"/>
-                <a:cs typeface="Roboto Lt" panose="02000000000000000000" pitchFamily="2" charset="0"/>
-              </a:rPr>
-              <a:t>Take a Break</a:t>
-            </a:r>
-          </a:p>
-        </p:txBody>
-      </p:sp>
       <p:pic>
         <p:nvPicPr>
           <p:cNvPr id="5" name="Picture 4" descr="SoftUni AI logo">
@@ -5082,6 +5059,52 @@
               <a:t>‹#›</a:t>
             </a:fld>
             <a:endParaRPr lang="en-US" dirty="0"/>
+          </a:p>
+        </p:txBody>
+      </p:sp>
+      <p:sp>
+        <p:nvSpPr>
+          <p:cNvPr id="4" name="Title 3">
+            <a:extLst>
+              <a:ext uri="{FF2B5EF4-FFF2-40B4-BE49-F238E27FC236}">
+                <a16:creationId xmlns:a16="http://schemas.microsoft.com/office/drawing/2014/main" id="{2E698449-B58A-F051-E10C-6F74706EFFDF}"/>
+              </a:ext>
+            </a:extLst>
+          </p:cNvPr>
+          <p:cNvSpPr>
+            <a:spLocks noGrp="1"/>
+          </p:cNvSpPr>
+          <p:nvPr>
+            <p:ph type="title" hasCustomPrompt="1"/>
+          </p:nvPr>
+        </p:nvSpPr>
+        <p:spPr>
+          <a:xfrm>
+            <a:off x="837828" y="980728"/>
+            <a:ext cx="5544017" cy="995862"/>
+          </a:xfrm>
+        </p:spPr>
+        <p:txBody>
+          <a:bodyPr>
+            <a:noAutofit/>
+          </a:bodyPr>
+          <a:lstStyle>
+            <a:lvl1pPr>
+              <a:defRPr sz="6000">
+                <a:solidFill>
+                  <a:schemeClr val="bg1">
+                    <a:lumMod val="20000"/>
+                    <a:lumOff val="80000"/>
+                  </a:schemeClr>
+                </a:solidFill>
+              </a:defRPr>
+            </a:lvl1pPr>
+          </a:lstStyle>
+          <a:p>
+            <a:r>
+              <a:rPr lang="en-US" dirty="0"/>
+              <a:t>Take a Break</a:t>
+            </a:r>
           </a:p>
         </p:txBody>
       </p:sp>
@@ -5659,7 +5682,10 @@
             <a:lvl1pPr latinLnBrk="0">
               <a:defRPr sz="4400">
                 <a:solidFill>
-                  <a:schemeClr val="bg2"/>
+                  <a:schemeClr val="bg1">
+                    <a:lumMod val="20000"/>
+                    <a:lumOff val="80000"/>
+                  </a:schemeClr>
                 </a:solidFill>
               </a:defRPr>
             </a:lvl1pPr>
@@ -6053,6 +6079,12 @@
                 <a:ln>
                   <a:noFill/>
                 </a:ln>
+                <a:solidFill>
+                  <a:schemeClr val="bg1">
+                    <a:lumMod val="20000"/>
+                    <a:lumOff val="80000"/>
+                  </a:schemeClr>
+                </a:solidFill>
                 <a:effectLst/>
                 <a:uLnTx/>
                 <a:uFillTx/>
@@ -6582,7 +6614,10 @@
             <a:r>
               <a:rPr lang="en-BG" sz="4400" b="1" i="0" dirty="0">
                 <a:solidFill>
-                  <a:schemeClr val="bg2"/>
+                  <a:schemeClr val="bg1">
+                    <a:lumMod val="20000"/>
+                    <a:lumOff val="80000"/>
+                  </a:schemeClr>
                 </a:solidFill>
                 <a:latin typeface="+mj-lt"/>
                 <a:ea typeface="Roboto" panose="02000000000000000000" pitchFamily="2" charset="0"/>
@@ -6592,7 +6627,10 @@
             </a:r>
             <a:endParaRPr lang="en-BG" sz="4800" b="1" i="0" dirty="0">
               <a:solidFill>
-                <a:schemeClr val="bg2"/>
+                <a:schemeClr val="bg1">
+                  <a:lumMod val="20000"/>
+                  <a:lumOff val="80000"/>
+                </a:schemeClr>
               </a:solidFill>
               <a:latin typeface="+mj-lt"/>
               <a:ea typeface="Roboto" panose="02000000000000000000" pitchFamily="2" charset="0"/>
@@ -7121,7 +7159,10 @@
             <a:lvl1pPr latinLnBrk="0">
               <a:defRPr sz="4400">
                 <a:solidFill>
-                  <a:schemeClr val="bg2"/>
+                  <a:schemeClr val="bg1">
+                    <a:lumMod val="20000"/>
+                    <a:lumOff val="80000"/>
+                  </a:schemeClr>
                 </a:solidFill>
               </a:defRPr>
             </a:lvl1pPr>
@@ -7394,7 +7435,10 @@
             <a:lvl1pPr>
               <a:defRPr sz="4400" b="1" i="0">
                 <a:solidFill>
-                  <a:schemeClr val="bg2"/>
+                  <a:schemeClr val="bg1">
+                    <a:lumMod val="20000"/>
+                    <a:lumOff val="80000"/>
+                  </a:schemeClr>
                 </a:solidFill>
                 <a:latin typeface="+mj-lt"/>
               </a:defRPr>
@@ -7708,7 +7752,10 @@
               <a:buNone/>
               <a:defRPr sz="3600" b="0" i="0" baseline="0">
                 <a:solidFill>
-                  <a:schemeClr val="bg2"/>
+                  <a:schemeClr val="bg1">
+                    <a:lumMod val="20000"/>
+                    <a:lumOff val="80000"/>
+                  </a:schemeClr>
                 </a:solidFill>
                 <a:latin typeface="Montserrat Medium" panose="00000600000000000000" pitchFamily="50" charset="-52"/>
                 <a:ea typeface="Roboto" panose="02000000000000000000" pitchFamily="2" charset="0"/>
@@ -7918,7 +7965,10 @@
               <a:buNone/>
               <a:defRPr sz="3600" b="0" i="0" baseline="0">
                 <a:solidFill>
-                  <a:schemeClr val="bg2"/>
+                  <a:schemeClr val="bg1">
+                    <a:lumMod val="20000"/>
+                    <a:lumOff val="80000"/>
+                  </a:schemeClr>
                 </a:solidFill>
                 <a:latin typeface="Montserrat Medium" panose="00000600000000000000" pitchFamily="50" charset="-52"/>
                 <a:ea typeface="Montserrat Medium" panose="00000600000000000000" pitchFamily="50" charset="-52"/>
@@ -8026,7 +8076,14 @@
           <a:lstStyle>
             <a:lvl1pPr marL="0" indent="0" algn="l">
               <a:buNone/>
-              <a:defRPr sz="3200"/>
+              <a:defRPr sz="3200">
+                <a:solidFill>
+                  <a:schemeClr val="bg1">
+                    <a:lumMod val="20000"/>
+                    <a:lumOff val="80000"/>
+                  </a:schemeClr>
+                </a:solidFill>
+              </a:defRPr>
             </a:lvl1pPr>
           </a:lstStyle>
           <a:p>
@@ -8171,7 +8228,10 @@
               <a:buNone/>
               <a:defRPr lang="en-US" sz="3600" b="0" baseline="0" noProof="0" dirty="0">
                 <a:solidFill>
-                  <a:schemeClr val="bg2"/>
+                  <a:schemeClr val="bg1">
+                    <a:lumMod val="20000"/>
+                    <a:lumOff val="80000"/>
+                  </a:schemeClr>
                 </a:solidFill>
                 <a:latin typeface="Montserrat Medium" panose="00000600000000000000" pitchFamily="50" charset="-52"/>
                 <a:cs typeface="Arial" pitchFamily="34" charset="0"/>
@@ -8486,7 +8546,10 @@
               <a:buNone/>
               <a:defRPr sz="3600" b="0" i="0" baseline="0">
                 <a:solidFill>
-                  <a:schemeClr val="bg2"/>
+                  <a:schemeClr val="bg1">
+                    <a:lumMod val="20000"/>
+                    <a:lumOff val="80000"/>
+                  </a:schemeClr>
                 </a:solidFill>
                 <a:latin typeface="Montserrat Medium" panose="00000600000000000000" pitchFamily="2" charset="0"/>
                 <a:ea typeface="Montserrat Medium" panose="00000600000000000000" pitchFamily="2" charset="0"/>
@@ -8968,7 +9031,10 @@
             <a:lvl1pPr>
               <a:defRPr lang="en-US" sz="4400" b="1" i="0" kern="1200" dirty="0">
                 <a:solidFill>
-                  <a:schemeClr val="bg2"/>
+                  <a:schemeClr val="bg1">
+                    <a:lumMod val="20000"/>
+                    <a:lumOff val="80000"/>
+                  </a:schemeClr>
                 </a:solidFill>
                 <a:latin typeface="+mj-lt"/>
                 <a:ea typeface="Roboto" panose="02000000000000000000" pitchFamily="2" charset="0"/>
@@ -9480,7 +9546,10 @@
             <a:lvl1pPr>
               <a:defRPr sz="4400" b="1" i="0">
                 <a:solidFill>
-                  <a:srgbClr val="00BA96"/>
+                  <a:schemeClr val="bg1">
+                    <a:lumMod val="20000"/>
+                    <a:lumOff val="80000"/>
+                  </a:schemeClr>
                 </a:solidFill>
                 <a:latin typeface="+mj-lt"/>
               </a:defRPr>
@@ -9996,7 +10065,10 @@
             <a:lvl1pPr>
               <a:defRPr sz="4400" b="1" i="0">
                 <a:solidFill>
-                  <a:srgbClr val="00BA96"/>
+                  <a:schemeClr val="bg1">
+                    <a:lumMod val="20000"/>
+                    <a:lumOff val="80000"/>
+                  </a:schemeClr>
                 </a:solidFill>
                 <a:latin typeface="+mj-lt"/>
               </a:defRPr>
@@ -10254,7 +10326,10 @@
         <a:buNone/>
         <a:defRPr sz="4400" b="1" kern="1200">
           <a:solidFill>
-            <a:srgbClr val="00BA96"/>
+            <a:schemeClr val="bg1">
+              <a:lumMod val="20000"/>
+              <a:lumOff val="80000"/>
+            </a:schemeClr>
           </a:solidFill>
           <a:latin typeface="+mj-lt"/>
           <a:ea typeface="Roboto" panose="02000000000000000000" pitchFamily="2" charset="0"/>
@@ -13219,7 +13294,12 @@
             <p:ph type="sldNum" sz="quarter" idx="5"/>
           </p:nvPr>
         </p:nvSpPr>
-        <p:spPr/>
+        <p:spPr>
+          <a:xfrm>
+            <a:off x="11753030" y="6507000"/>
+            <a:ext cx="367414" cy="297000"/>
+          </a:xfrm>
+        </p:spPr>
         <p:txBody>
           <a:bodyPr/>
           <a:lstStyle/>
@@ -13230,6 +13310,34 @@
               <a:t>18</a:t>
             </a:fld>
             <a:endParaRPr lang="en-US" dirty="0"/>
+          </a:p>
+        </p:txBody>
+      </p:sp>
+      <p:sp>
+        <p:nvSpPr>
+          <p:cNvPr id="5" name="Title 4">
+            <a:extLst>
+              <a:ext uri="{FF2B5EF4-FFF2-40B4-BE49-F238E27FC236}">
+                <a16:creationId xmlns:a16="http://schemas.microsoft.com/office/drawing/2014/main" id="{807FFAAC-6924-6A0E-FF3E-17EEEDBB33A6}"/>
+              </a:ext>
+            </a:extLst>
+          </p:cNvPr>
+          <p:cNvSpPr>
+            <a:spLocks noGrp="1"/>
+          </p:cNvSpPr>
+          <p:nvPr>
+            <p:ph type="title"/>
+          </p:nvPr>
+        </p:nvSpPr>
+        <p:spPr/>
+        <p:txBody>
+          <a:bodyPr/>
+          <a:lstStyle/>
+          <a:p>
+            <a:r>
+              <a:rPr lang="en-US" dirty="0"/>
+              <a:t>Take a Break</a:t>
+            </a:r>
           </a:p>
         </p:txBody>
       </p:sp>
@@ -25648,26 +25756,6 @@
 </file>
 
 <file path=customXml/item1.xml><?xml version="1.0" encoding="utf-8"?>
-<?mso-contentType ?>
-<FormTemplates xmlns="http://schemas.microsoft.com/sharepoint/v3/contenttype/forms">
-  <Display>DocumentLibraryForm</Display>
-  <Edit>DocumentLibraryForm</Edit>
-  <New>DocumentLibraryForm</New>
-</FormTemplates>
-</file>
-
-<file path=customXml/item2.xml><?xml version="1.0" encoding="utf-8"?>
-<p:properties xmlns:p="http://schemas.microsoft.com/office/2006/metadata/properties" xmlns:xsi="http://www.w3.org/2001/XMLSchema-instance" xmlns:pc="http://schemas.microsoft.com/office/infopath/2007/PartnerControls">
-  <documentManagement>
-    <TaxCatchAll xmlns="b7aee57a-33bc-479a-b375-2a9789967078" xsi:nil="true"/>
-    <lcf76f155ced4ddcb4097134ff3c332f xmlns="d0d25b69-8e68-4841-9284-bd8f9504d222">
-      <Terms xmlns="http://schemas.microsoft.com/office/infopath/2007/PartnerControls"/>
-    </lcf76f155ced4ddcb4097134ff3c332f>
-  </documentManagement>
-</p:properties>
-</file>
-
-<file path=customXml/item3.xml><?xml version="1.0" encoding="utf-8"?>
 <ct:contentTypeSchema xmlns:ct="http://schemas.microsoft.com/office/2006/metadata/contentType" xmlns:ma="http://schemas.microsoft.com/office/2006/metadata/properties/metaAttributes" ct:_="" ma:_="" ma:contentTypeName="Document" ma:contentTypeID="0x010100B4E63F92689E2344800622A05AA3C338" ma:contentTypeVersion="18" ma:contentTypeDescription="Create a new document." ma:contentTypeScope="" ma:versionID="8b3b91c10ae4ded6346f94cf0d666012">
   <xsd:schema xmlns:xsd="http://www.w3.org/2001/XMLSchema" xmlns:xs="http://www.w3.org/2001/XMLSchema" xmlns:p="http://schemas.microsoft.com/office/2006/metadata/properties" xmlns:ns2="d0d25b69-8e68-4841-9284-bd8f9504d222" xmlns:ns3="b7aee57a-33bc-479a-b375-2a9789967078" targetNamespace="http://schemas.microsoft.com/office/2006/metadata/properties" ma:root="true" ma:fieldsID="c7e6442cb5abeb5ea84ce9d48cd96538" ns2:_="" ns3:_="">
     <xsd:import namespace="d0d25b69-8e68-4841-9284-bd8f9504d222"/>
@@ -25922,32 +26010,27 @@
 </ct:contentTypeSchema>
 </file>
 
-<file path=customXml/itemProps1.xml><?xml version="1.0" encoding="utf-8"?>
-<ds:datastoreItem xmlns:ds="http://schemas.openxmlformats.org/officeDocument/2006/customXml" ds:itemID="{F573CD36-4F48-4AD8-B46C-49DE08E6AC9C}">
-  <ds:schemaRefs>
-    <ds:schemaRef ds:uri="http://schemas.microsoft.com/sharepoint/v3/contenttype/forms"/>
-  </ds:schemaRefs>
-</ds:datastoreItem>
+<file path=customXml/item2.xml><?xml version="1.0" encoding="utf-8"?>
+<?mso-contentType ?>
+<FormTemplates xmlns="http://schemas.microsoft.com/sharepoint/v3/contenttype/forms">
+  <Display>DocumentLibraryForm</Display>
+  <Edit>DocumentLibraryForm</Edit>
+  <New>DocumentLibraryForm</New>
+</FormTemplates>
 </file>
 
-<file path=customXml/itemProps2.xml><?xml version="1.0" encoding="utf-8"?>
-<ds:datastoreItem xmlns:ds="http://schemas.openxmlformats.org/officeDocument/2006/customXml" ds:itemID="{1CC6AC7F-F4C9-4C02-9C8E-00B5F4588C84}">
-  <ds:schemaRefs>
-    <ds:schemaRef ds:uri="http://schemas.microsoft.com/office/2006/metadata/properties"/>
-    <ds:schemaRef ds:uri="http://schemas.microsoft.com/office/2006/documentManagement/types"/>
-    <ds:schemaRef ds:uri="http://www.w3.org/XML/1998/namespace"/>
-    <ds:schemaRef ds:uri="http://purl.org/dc/dcmitype/"/>
-    <ds:schemaRef ds:uri="b7aee57a-33bc-479a-b375-2a9789967078"/>
-    <ds:schemaRef ds:uri="http://purl.org/dc/elements/1.1/"/>
-    <ds:schemaRef ds:uri="http://schemas.microsoft.com/office/infopath/2007/PartnerControls"/>
-    <ds:schemaRef ds:uri="http://schemas.openxmlformats.org/package/2006/metadata/core-properties"/>
-    <ds:schemaRef ds:uri="d0d25b69-8e68-4841-9284-bd8f9504d222"/>
-    <ds:schemaRef ds:uri="http://purl.org/dc/terms/"/>
-  </ds:schemaRefs>
-</ds:datastoreItem>
+<file path=customXml/item3.xml><?xml version="1.0" encoding="utf-8"?>
+<p:properties xmlns:p="http://schemas.microsoft.com/office/2006/metadata/properties" xmlns:xsi="http://www.w3.org/2001/XMLSchema-instance" xmlns:pc="http://schemas.microsoft.com/office/infopath/2007/PartnerControls">
+  <documentManagement>
+    <TaxCatchAll xmlns="b7aee57a-33bc-479a-b375-2a9789967078" xsi:nil="true"/>
+    <lcf76f155ced4ddcb4097134ff3c332f xmlns="d0d25b69-8e68-4841-9284-bd8f9504d222">
+      <Terms xmlns="http://schemas.microsoft.com/office/infopath/2007/PartnerControls"/>
+    </lcf76f155ced4ddcb4097134ff3c332f>
+  </documentManagement>
+</p:properties>
 </file>
 
-<file path=customXml/itemProps3.xml><?xml version="1.0" encoding="utf-8"?>
+<file path=customXml/itemProps1.xml><?xml version="1.0" encoding="utf-8"?>
 <ds:datastoreItem xmlns:ds="http://schemas.openxmlformats.org/officeDocument/2006/customXml" ds:itemID="{9F14A640-A01C-4552-A616-6CE9E90D6A03}">
   <ds:schemaRefs>
     <ds:schemaRef ds:uri="http://schemas.microsoft.com/office/2006/metadata/contentType"/>
@@ -25964,4 +26047,29 @@
     <ds:schemaRef ds:uri="http://schemas.microsoft.com/internal/obd"/>
   </ds:schemaRefs>
 </ds:datastoreItem>
+</file>
+
+<file path=customXml/itemProps2.xml><?xml version="1.0" encoding="utf-8"?>
+<ds:datastoreItem xmlns:ds="http://schemas.openxmlformats.org/officeDocument/2006/customXml" ds:itemID="{F573CD36-4F48-4AD8-B46C-49DE08E6AC9C}">
+  <ds:schemaRefs>
+    <ds:schemaRef ds:uri="http://schemas.microsoft.com/sharepoint/v3/contenttype/forms"/>
+  </ds:schemaRefs>
+</ds:datastoreItem>
+</file>
+
+<file path=customXml/itemProps3.xml><?xml version="1.0" encoding="utf-8"?>
+<ds:datastoreItem xmlns:ds="http://schemas.openxmlformats.org/officeDocument/2006/customXml" ds:itemID="{1CC6AC7F-F4C9-4C02-9C8E-00B5F4588C84}">
+  <ds:schemaRefs>
+    <ds:schemaRef ds:uri="http://schemas.microsoft.com/office/2006/metadata/properties"/>
+    <ds:schemaRef ds:uri="http://schemas.microsoft.com/office/2006/documentManagement/types"/>
+    <ds:schemaRef ds:uri="http://www.w3.org/XML/1998/namespace"/>
+    <ds:schemaRef ds:uri="http://purl.org/dc/dcmitype/"/>
+    <ds:schemaRef ds:uri="b7aee57a-33bc-479a-b375-2a9789967078"/>
+    <ds:schemaRef ds:uri="http://purl.org/dc/elements/1.1/"/>
+    <ds:schemaRef ds:uri="http://schemas.microsoft.com/office/infopath/2007/PartnerControls"/>
+    <ds:schemaRef ds:uri="http://schemas.openxmlformats.org/package/2006/metadata/core-properties"/>
+    <ds:schemaRef ds:uri="d0d25b69-8e68-4841-9284-bd8f9504d222"/>
+    <ds:schemaRef ds:uri="http://purl.org/dc/terms/"/>
+  </ds:schemaRefs>
+</ds:datastoreItem>
 </file>